--- a/Cal-Counter_part_5.pptx
+++ b/Cal-Counter_part_5.pptx
@@ -5,8 +5,9 @@
     <p:sldMasterId id="2147483648" r:id="rId1"/>
   </p:sldMasterIdLst>
   <p:sldIdLst>
-    <p:sldId id="256" r:id="rId3"/>
-    <p:sldId id="258" r:id="rId4"/>
+    <p:sldId id="256" r:id="rId2"/>
+    <p:sldId id="258" r:id="rId3"/>
+    <p:sldId id="278" r:id="rId4"/>
     <p:sldId id="262" r:id="rId5"/>
     <p:sldId id="274" r:id="rId6"/>
     <p:sldId id="276" r:id="rId7"/>
@@ -116,6 +117,11 @@
       </a:defRPr>
     </a:lvl9pPr>
   </p:defaultTextStyle>
+  <p:extLst>
+    <p:ext uri="{EFAFB233-063F-42B5-8137-9DF3F51BA10A}">
+      <p15:sldGuideLst xmlns:p15="http://schemas.microsoft.com/office/powerpoint/2012/main"/>
+    </p:ext>
+  </p:extLst>
 </p:presentation>
 </file>
 
@@ -250,6 +256,7 @@
           <a:p>
             <a:fld id="{82F288E0-7875-42C4-84C8-98DBBD3BF4D2}" type="datetimeFigureOut">
               <a:rPr lang="zh-CN" altLang="en-US" smtClean="0"/>
+              <a:t>2016/4/25</a:t>
             </a:fld>
             <a:endParaRPr lang="zh-CN" altLang="en-US"/>
           </a:p>
@@ -291,6 +298,7 @@
           <a:p>
             <a:fld id="{7D9BB5D0-35E4-459D-AEF3-FE4D7C45CC19}" type="slidenum">
               <a:rPr lang="zh-CN" altLang="en-US" smtClean="0"/>
+              <a:t>‹#›</a:t>
             </a:fld>
             <a:endParaRPr lang="zh-CN" altLang="en-US"/>
           </a:p>
@@ -346,7 +354,6 @@
               <a:rPr lang="zh-CN" altLang="en-US" smtClean="0"/>
               <a:t>单击此处编辑母版文本样式</a:t>
             </a:r>
-            <a:endParaRPr lang="zh-CN" altLang="en-US" smtClean="0"/>
           </a:p>
           <a:p>
             <a:pPr lvl="1"/>
@@ -354,7 +361,6 @@
               <a:rPr lang="zh-CN" altLang="en-US" smtClean="0"/>
               <a:t>第二级</a:t>
             </a:r>
-            <a:endParaRPr lang="zh-CN" altLang="en-US" smtClean="0"/>
           </a:p>
           <a:p>
             <a:pPr lvl="2"/>
@@ -362,7 +368,6 @@
               <a:rPr lang="zh-CN" altLang="en-US" smtClean="0"/>
               <a:t>第三级</a:t>
             </a:r>
-            <a:endParaRPr lang="zh-CN" altLang="en-US" smtClean="0"/>
           </a:p>
           <a:p>
             <a:pPr lvl="3"/>
@@ -370,7 +375,6 @@
               <a:rPr lang="zh-CN" altLang="en-US" smtClean="0"/>
               <a:t>第四级</a:t>
             </a:r>
-            <a:endParaRPr lang="zh-CN" altLang="en-US" smtClean="0"/>
           </a:p>
           <a:p>
             <a:pPr lvl="4"/>
@@ -399,6 +403,7 @@
           <a:p>
             <a:fld id="{82F288E0-7875-42C4-84C8-98DBBD3BF4D2}" type="datetimeFigureOut">
               <a:rPr lang="zh-CN" altLang="en-US" smtClean="0"/>
+              <a:t>2016/4/25</a:t>
             </a:fld>
             <a:endParaRPr lang="zh-CN" altLang="en-US"/>
           </a:p>
@@ -440,6 +445,7 @@
           <a:p>
             <a:fld id="{7D9BB5D0-35E4-459D-AEF3-FE4D7C45CC19}" type="slidenum">
               <a:rPr lang="zh-CN" altLang="en-US" smtClean="0"/>
+              <a:t>‹#›</a:t>
             </a:fld>
             <a:endParaRPr lang="zh-CN" altLang="en-US"/>
           </a:p>
@@ -513,7 +519,6 @@
               <a:rPr lang="zh-CN" altLang="en-US" smtClean="0"/>
               <a:t>单击此处编辑母版文本样式</a:t>
             </a:r>
-            <a:endParaRPr lang="zh-CN" altLang="en-US" smtClean="0"/>
           </a:p>
           <a:p>
             <a:pPr lvl="1"/>
@@ -521,7 +526,6 @@
               <a:rPr lang="zh-CN" altLang="en-US" smtClean="0"/>
               <a:t>第二级</a:t>
             </a:r>
-            <a:endParaRPr lang="zh-CN" altLang="en-US" smtClean="0"/>
           </a:p>
           <a:p>
             <a:pPr lvl="2"/>
@@ -529,7 +533,6 @@
               <a:rPr lang="zh-CN" altLang="en-US" smtClean="0"/>
               <a:t>第三级</a:t>
             </a:r>
-            <a:endParaRPr lang="zh-CN" altLang="en-US" smtClean="0"/>
           </a:p>
           <a:p>
             <a:pPr lvl="3"/>
@@ -537,7 +540,6 @@
               <a:rPr lang="zh-CN" altLang="en-US" smtClean="0"/>
               <a:t>第四级</a:t>
             </a:r>
-            <a:endParaRPr lang="zh-CN" altLang="en-US" smtClean="0"/>
           </a:p>
           <a:p>
             <a:pPr lvl="4"/>
@@ -566,6 +568,7 @@
           <a:p>
             <a:fld id="{82F288E0-7875-42C4-84C8-98DBBD3BF4D2}" type="datetimeFigureOut">
               <a:rPr lang="zh-CN" altLang="en-US" smtClean="0"/>
+              <a:t>2016/4/25</a:t>
             </a:fld>
             <a:endParaRPr lang="zh-CN" altLang="en-US"/>
           </a:p>
@@ -607,6 +610,7 @@
           <a:p>
             <a:fld id="{7D9BB5D0-35E4-459D-AEF3-FE4D7C45CC19}" type="slidenum">
               <a:rPr lang="zh-CN" altLang="en-US" smtClean="0"/>
+              <a:t>‹#›</a:t>
             </a:fld>
             <a:endParaRPr lang="zh-CN" altLang="en-US"/>
           </a:p>
@@ -785,7 +789,6 @@
               <a:rPr lang="zh-CN" altLang="en-US" smtClean="0"/>
               <a:t>单击此处编辑母版文本样式</a:t>
             </a:r>
-            <a:endParaRPr lang="zh-CN" altLang="en-US" smtClean="0"/>
           </a:p>
         </p:txBody>
       </p:sp>
@@ -806,6 +809,7 @@
           <a:p>
             <a:fld id="{82F288E0-7875-42C4-84C8-98DBBD3BF4D2}" type="datetimeFigureOut">
               <a:rPr lang="zh-CN" altLang="en-US" smtClean="0"/>
+              <a:t>2016/4/25</a:t>
             </a:fld>
             <a:endParaRPr lang="zh-CN" altLang="en-US"/>
           </a:p>
@@ -847,6 +851,7 @@
           <a:p>
             <a:fld id="{7D9BB5D0-35E4-459D-AEF3-FE4D7C45CC19}" type="slidenum">
               <a:rPr lang="zh-CN" altLang="en-US" smtClean="0"/>
+              <a:t>‹#›</a:t>
             </a:fld>
             <a:endParaRPr lang="zh-CN" altLang="en-US"/>
           </a:p>
@@ -925,7 +930,6 @@
               <a:rPr lang="zh-CN" altLang="en-US" smtClean="0"/>
               <a:t>单击此处编辑母版文本样式</a:t>
             </a:r>
-            <a:endParaRPr lang="zh-CN" altLang="en-US" smtClean="0"/>
           </a:p>
           <a:p>
             <a:pPr lvl="1"/>
@@ -933,7 +937,6 @@
               <a:rPr lang="zh-CN" altLang="en-US" smtClean="0"/>
               <a:t>第二级</a:t>
             </a:r>
-            <a:endParaRPr lang="zh-CN" altLang="en-US" smtClean="0"/>
           </a:p>
           <a:p>
             <a:pPr lvl="2"/>
@@ -941,7 +944,6 @@
               <a:rPr lang="zh-CN" altLang="en-US" smtClean="0"/>
               <a:t>第三级</a:t>
             </a:r>
-            <a:endParaRPr lang="zh-CN" altLang="en-US" smtClean="0"/>
           </a:p>
           <a:p>
             <a:pPr lvl="3"/>
@@ -949,7 +951,6 @@
               <a:rPr lang="zh-CN" altLang="en-US" smtClean="0"/>
               <a:t>第四级</a:t>
             </a:r>
-            <a:endParaRPr lang="zh-CN" altLang="en-US" smtClean="0"/>
           </a:p>
           <a:p>
             <a:pPr lvl="4"/>
@@ -986,7 +987,6 @@
               <a:rPr lang="zh-CN" altLang="en-US" smtClean="0"/>
               <a:t>单击此处编辑母版文本样式</a:t>
             </a:r>
-            <a:endParaRPr lang="zh-CN" altLang="en-US" smtClean="0"/>
           </a:p>
           <a:p>
             <a:pPr lvl="1"/>
@@ -994,7 +994,6 @@
               <a:rPr lang="zh-CN" altLang="en-US" smtClean="0"/>
               <a:t>第二级</a:t>
             </a:r>
-            <a:endParaRPr lang="zh-CN" altLang="en-US" smtClean="0"/>
           </a:p>
           <a:p>
             <a:pPr lvl="2"/>
@@ -1002,7 +1001,6 @@
               <a:rPr lang="zh-CN" altLang="en-US" smtClean="0"/>
               <a:t>第三级</a:t>
             </a:r>
-            <a:endParaRPr lang="zh-CN" altLang="en-US" smtClean="0"/>
           </a:p>
           <a:p>
             <a:pPr lvl="3"/>
@@ -1010,7 +1008,6 @@
               <a:rPr lang="zh-CN" altLang="en-US" smtClean="0"/>
               <a:t>第四级</a:t>
             </a:r>
-            <a:endParaRPr lang="zh-CN" altLang="en-US" smtClean="0"/>
           </a:p>
           <a:p>
             <a:pPr lvl="4"/>
@@ -1039,6 +1036,7 @@
           <a:p>
             <a:fld id="{82F288E0-7875-42C4-84C8-98DBBD3BF4D2}" type="datetimeFigureOut">
               <a:rPr lang="zh-CN" altLang="en-US" smtClean="0"/>
+              <a:t>2016/4/25</a:t>
             </a:fld>
             <a:endParaRPr lang="zh-CN" altLang="en-US"/>
           </a:p>
@@ -1080,6 +1078,7 @@
           <a:p>
             <a:fld id="{7D9BB5D0-35E4-459D-AEF3-FE4D7C45CC19}" type="slidenum">
               <a:rPr lang="zh-CN" altLang="en-US" smtClean="0"/>
+              <a:t>‹#›</a:t>
             </a:fld>
             <a:endParaRPr lang="zh-CN" altLang="en-US"/>
           </a:p>
@@ -1200,7 +1199,6 @@
               <a:rPr lang="zh-CN" altLang="en-US" smtClean="0"/>
               <a:t>单击此处编辑母版文本样式</a:t>
             </a:r>
-            <a:endParaRPr lang="zh-CN" altLang="en-US" smtClean="0"/>
           </a:p>
         </p:txBody>
       </p:sp>
@@ -1229,7 +1227,6 @@
               <a:rPr lang="zh-CN" altLang="en-US" smtClean="0"/>
               <a:t>单击此处编辑母版文本样式</a:t>
             </a:r>
-            <a:endParaRPr lang="zh-CN" altLang="en-US" smtClean="0"/>
           </a:p>
           <a:p>
             <a:pPr lvl="1"/>
@@ -1237,7 +1234,6 @@
               <a:rPr lang="zh-CN" altLang="en-US" smtClean="0"/>
               <a:t>第二级</a:t>
             </a:r>
-            <a:endParaRPr lang="zh-CN" altLang="en-US" smtClean="0"/>
           </a:p>
           <a:p>
             <a:pPr lvl="2"/>
@@ -1245,7 +1241,6 @@
               <a:rPr lang="zh-CN" altLang="en-US" smtClean="0"/>
               <a:t>第三级</a:t>
             </a:r>
-            <a:endParaRPr lang="zh-CN" altLang="en-US" smtClean="0"/>
           </a:p>
           <a:p>
             <a:pPr lvl="3"/>
@@ -1253,7 +1248,6 @@
               <a:rPr lang="zh-CN" altLang="en-US" smtClean="0"/>
               <a:t>第四级</a:t>
             </a:r>
-            <a:endParaRPr lang="zh-CN" altLang="en-US" smtClean="0"/>
           </a:p>
           <a:p>
             <a:pPr lvl="4"/>
@@ -1327,7 +1321,6 @@
               <a:rPr lang="zh-CN" altLang="en-US" smtClean="0"/>
               <a:t>单击此处编辑母版文本样式</a:t>
             </a:r>
-            <a:endParaRPr lang="zh-CN" altLang="en-US" smtClean="0"/>
           </a:p>
         </p:txBody>
       </p:sp>
@@ -1356,7 +1349,6 @@
               <a:rPr lang="zh-CN" altLang="en-US" smtClean="0"/>
               <a:t>单击此处编辑母版文本样式</a:t>
             </a:r>
-            <a:endParaRPr lang="zh-CN" altLang="en-US" smtClean="0"/>
           </a:p>
           <a:p>
             <a:pPr lvl="1"/>
@@ -1364,7 +1356,6 @@
               <a:rPr lang="zh-CN" altLang="en-US" smtClean="0"/>
               <a:t>第二级</a:t>
             </a:r>
-            <a:endParaRPr lang="zh-CN" altLang="en-US" smtClean="0"/>
           </a:p>
           <a:p>
             <a:pPr lvl="2"/>
@@ -1372,7 +1363,6 @@
               <a:rPr lang="zh-CN" altLang="en-US" smtClean="0"/>
               <a:t>第三级</a:t>
             </a:r>
-            <a:endParaRPr lang="zh-CN" altLang="en-US" smtClean="0"/>
           </a:p>
           <a:p>
             <a:pPr lvl="3"/>
@@ -1380,7 +1370,6 @@
               <a:rPr lang="zh-CN" altLang="en-US" smtClean="0"/>
               <a:t>第四级</a:t>
             </a:r>
-            <a:endParaRPr lang="zh-CN" altLang="en-US" smtClean="0"/>
           </a:p>
           <a:p>
             <a:pPr lvl="4"/>
@@ -1409,6 +1398,7 @@
           <a:p>
             <a:fld id="{82F288E0-7875-42C4-84C8-98DBBD3BF4D2}" type="datetimeFigureOut">
               <a:rPr lang="zh-CN" altLang="en-US" smtClean="0"/>
+              <a:t>2016/4/25</a:t>
             </a:fld>
             <a:endParaRPr lang="zh-CN" altLang="en-US"/>
           </a:p>
@@ -1450,6 +1440,7 @@
           <a:p>
             <a:fld id="{7D9BB5D0-35E4-459D-AEF3-FE4D7C45CC19}" type="slidenum">
               <a:rPr lang="zh-CN" altLang="en-US" smtClean="0"/>
+              <a:t>‹#›</a:t>
             </a:fld>
             <a:endParaRPr lang="zh-CN" altLang="en-US"/>
           </a:p>
@@ -1520,6 +1511,7 @@
           <a:p>
             <a:fld id="{82F288E0-7875-42C4-84C8-98DBBD3BF4D2}" type="datetimeFigureOut">
               <a:rPr lang="zh-CN" altLang="en-US" smtClean="0"/>
+              <a:t>2016/4/25</a:t>
             </a:fld>
             <a:endParaRPr lang="zh-CN" altLang="en-US"/>
           </a:p>
@@ -1561,6 +1553,7 @@
           <a:p>
             <a:fld id="{7D9BB5D0-35E4-459D-AEF3-FE4D7C45CC19}" type="slidenum">
               <a:rPr lang="zh-CN" altLang="en-US" smtClean="0"/>
+              <a:t>‹#›</a:t>
             </a:fld>
             <a:endParaRPr lang="zh-CN" altLang="en-US"/>
           </a:p>
@@ -1608,6 +1601,7 @@
           <a:p>
             <a:fld id="{82F288E0-7875-42C4-84C8-98DBBD3BF4D2}" type="datetimeFigureOut">
               <a:rPr lang="zh-CN" altLang="en-US" smtClean="0"/>
+              <a:t>2016/4/25</a:t>
             </a:fld>
             <a:endParaRPr lang="zh-CN" altLang="en-US"/>
           </a:p>
@@ -1649,6 +1643,7 @@
           <a:p>
             <a:fld id="{7D9BB5D0-35E4-459D-AEF3-FE4D7C45CC19}" type="slidenum">
               <a:rPr lang="zh-CN" altLang="en-US" smtClean="0"/>
+              <a:t>‹#›</a:t>
             </a:fld>
             <a:endParaRPr lang="zh-CN" altLang="en-US"/>
           </a:p>
@@ -1834,7 +1829,6 @@
               <a:rPr lang="zh-CN" altLang="en-US" smtClean="0"/>
               <a:t>单击此处编辑母版文本样式</a:t>
             </a:r>
-            <a:endParaRPr lang="zh-CN" altLang="en-US" smtClean="0"/>
           </a:p>
         </p:txBody>
       </p:sp>
@@ -1855,6 +1849,7 @@
           <a:p>
             <a:fld id="{82F288E0-7875-42C4-84C8-98DBBD3BF4D2}" type="datetimeFigureOut">
               <a:rPr lang="zh-CN" altLang="en-US" smtClean="0"/>
+              <a:t>2016/4/25</a:t>
             </a:fld>
             <a:endParaRPr lang="zh-CN" altLang="en-US"/>
           </a:p>
@@ -1896,6 +1891,7 @@
           <a:p>
             <a:fld id="{7D9BB5D0-35E4-459D-AEF3-FE4D7C45CC19}" type="slidenum">
               <a:rPr lang="zh-CN" altLang="en-US" smtClean="0"/>
+              <a:t>‹#›</a:t>
             </a:fld>
             <a:endParaRPr lang="zh-CN" altLang="en-US"/>
           </a:p>
@@ -1979,7 +1975,6 @@
               <a:rPr lang="zh-CN" altLang="en-US" smtClean="0"/>
               <a:t>单击此处编辑母版文本样式</a:t>
             </a:r>
-            <a:endParaRPr lang="zh-CN" altLang="en-US" smtClean="0"/>
           </a:p>
           <a:p>
             <a:pPr lvl="1"/>
@@ -1987,7 +1982,6 @@
               <a:rPr lang="zh-CN" altLang="en-US" smtClean="0"/>
               <a:t>第二级</a:t>
             </a:r>
-            <a:endParaRPr lang="zh-CN" altLang="en-US" smtClean="0"/>
           </a:p>
           <a:p>
             <a:pPr lvl="2"/>
@@ -1995,7 +1989,6 @@
               <a:rPr lang="zh-CN" altLang="en-US" smtClean="0"/>
               <a:t>第三级</a:t>
             </a:r>
-            <a:endParaRPr lang="zh-CN" altLang="en-US" smtClean="0"/>
           </a:p>
           <a:p>
             <a:pPr lvl="3"/>
@@ -2003,7 +1996,6 @@
               <a:rPr lang="zh-CN" altLang="en-US" smtClean="0"/>
               <a:t>第四级</a:t>
             </a:r>
-            <a:endParaRPr lang="zh-CN" altLang="en-US" smtClean="0"/>
           </a:p>
           <a:p>
             <a:pPr lvl="4"/>
@@ -2032,6 +2024,7 @@
           <a:p>
             <a:fld id="{82F288E0-7875-42C4-84C8-98DBBD3BF4D2}" type="datetimeFigureOut">
               <a:rPr lang="zh-CN" altLang="en-US" smtClean="0"/>
+              <a:t>2016/4/25</a:t>
             </a:fld>
             <a:endParaRPr lang="zh-CN" altLang="en-US"/>
           </a:p>
@@ -2073,6 +2066,7 @@
           <a:p>
             <a:fld id="{7D9BB5D0-35E4-459D-AEF3-FE4D7C45CC19}" type="slidenum">
               <a:rPr lang="zh-CN" altLang="en-US" smtClean="0"/>
+              <a:t>‹#›</a:t>
             </a:fld>
             <a:endParaRPr lang="zh-CN" altLang="en-US"/>
           </a:p>
@@ -2171,7 +2165,6 @@
               <a:rPr lang="zh-CN" altLang="en-US" smtClean="0"/>
               <a:t>单击此处编辑母版文本样式</a:t>
             </a:r>
-            <a:endParaRPr lang="zh-CN" altLang="en-US" smtClean="0"/>
           </a:p>
           <a:p>
             <a:pPr lvl="1"/>
@@ -2179,7 +2172,6 @@
               <a:rPr lang="zh-CN" altLang="en-US" smtClean="0"/>
               <a:t>第二级</a:t>
             </a:r>
-            <a:endParaRPr lang="zh-CN" altLang="en-US" smtClean="0"/>
           </a:p>
           <a:p>
             <a:pPr lvl="2"/>
@@ -2187,7 +2179,6 @@
               <a:rPr lang="zh-CN" altLang="en-US" smtClean="0"/>
               <a:t>第三级</a:t>
             </a:r>
-            <a:endParaRPr lang="zh-CN" altLang="en-US" smtClean="0"/>
           </a:p>
           <a:p>
             <a:pPr lvl="3"/>
@@ -2195,7 +2186,6 @@
               <a:rPr lang="zh-CN" altLang="en-US" smtClean="0"/>
               <a:t>第四级</a:t>
             </a:r>
-            <a:endParaRPr lang="zh-CN" altLang="en-US" smtClean="0"/>
           </a:p>
           <a:p>
             <a:pPr lvl="4"/>
@@ -2242,6 +2232,7 @@
           <a:p>
             <a:fld id="{82F288E0-7875-42C4-84C8-98DBBD3BF4D2}" type="datetimeFigureOut">
               <a:rPr lang="zh-CN" altLang="en-US" smtClean="0"/>
+              <a:t>2016/4/25</a:t>
             </a:fld>
             <a:endParaRPr lang="zh-CN" altLang="en-US"/>
           </a:p>
@@ -2319,6 +2310,7 @@
           <a:p>
             <a:fld id="{7D9BB5D0-35E4-459D-AEF3-FE4D7C45CC19}" type="slidenum">
               <a:rPr lang="zh-CN" altLang="en-US" smtClean="0"/>
+              <a:t>‹#›</a:t>
             </a:fld>
             <a:endParaRPr lang="zh-CN" altLang="en-US"/>
           </a:p>
@@ -2628,7 +2620,7 @@
     <p:bg>
       <p:bgPr>
         <a:blipFill rotWithShape="1">
-          <a:blip r:embed="rId1"/>
+          <a:blip r:embed="rId2"/>
           <a:stretch>
             <a:fillRect/>
           </a:stretch>
@@ -2676,7 +2668,6 @@
               <a:rPr lang="en-US" altLang="en-US" sz="5400" dirty="0"/>
               <a:t>    Cal-Counter</a:t>
             </a:r>
-            <a:endParaRPr lang="en-US" altLang="en-US" sz="5400" dirty="0"/>
           </a:p>
         </p:txBody>
       </p:sp>
@@ -2706,28 +2697,24 @@
               <a:rPr lang="zh-CN" altLang="en-US" sz="2400" dirty="0"/>
               <a:t>James Huynh</a:t>
             </a:r>
-            <a:endParaRPr lang="zh-CN" altLang="en-US" sz="2400" dirty="0"/>
           </a:p>
           <a:p>
             <a:r>
               <a:rPr lang="zh-CN" altLang="en-US" sz="2400" dirty="0"/>
               <a:t>Steven Kim</a:t>
             </a:r>
-            <a:endParaRPr lang="zh-CN" altLang="en-US" sz="2400" dirty="0"/>
           </a:p>
           <a:p>
             <a:r>
               <a:rPr lang="zh-CN" altLang="en-US" sz="2400" dirty="0"/>
               <a:t>Sibo Song</a:t>
             </a:r>
-            <a:endParaRPr lang="zh-CN" altLang="en-US" sz="2400" dirty="0"/>
           </a:p>
           <a:p>
             <a:r>
               <a:rPr lang="zh-CN" altLang="en-US" sz="2400" dirty="0"/>
               <a:t>Tianfang Wang</a:t>
             </a:r>
-            <a:endParaRPr lang="zh-CN" altLang="en-US" sz="2400" dirty="0"/>
           </a:p>
         </p:txBody>
       </p:sp>
@@ -2740,7 +2727,7 @@
           <p:nvPr/>
         </p:nvPicPr>
         <p:blipFill>
-          <a:blip r:embed="rId2"/>
+          <a:blip r:embed="rId3"/>
           <a:stretch>
             <a:fillRect/>
           </a:stretch>
@@ -2786,7 +2773,6 @@
               <a:rPr lang="en-US" altLang="zh-CN" sz="2800"/>
               <a:t>A website to track your Calories.</a:t>
             </a:r>
-            <a:endParaRPr lang="en-US" altLang="zh-CN" sz="2800"/>
           </a:p>
         </p:txBody>
       </p:sp>
@@ -2804,303 +2790,7 @@
     <p:bg>
       <p:bgPr>
         <a:blipFill rotWithShape="1">
-          <a:blip r:embed="rId1"/>
-          <a:stretch>
-            <a:fillRect/>
-          </a:stretch>
-        </a:blipFill>
-        <a:effectLst/>
-      </p:bgPr>
-    </p:bg>
-    <p:spTree>
-      <p:nvGrpSpPr>
-        <p:cNvPr id="1" name=""/>
-        <p:cNvGrpSpPr/>
-        <p:nvPr/>
-      </p:nvGrpSpPr>
-      <p:grpSpPr/>
-      <p:pic>
-        <p:nvPicPr>
-          <p:cNvPr id="5" name="图片 4" descr="QQ图片20160421200747"/>
-          <p:cNvPicPr>
-            <a:picLocks noChangeAspect="1"/>
-          </p:cNvPicPr>
-          <p:nvPr/>
-        </p:nvPicPr>
-        <p:blipFill>
           <a:blip r:embed="rId2"/>
-          <a:stretch>
-            <a:fillRect/>
-          </a:stretch>
-        </p:blipFill>
-        <p:spPr>
-          <a:xfrm>
-            <a:off x="3646170" y="435610"/>
-            <a:ext cx="8192770" cy="5565775"/>
-          </a:xfrm>
-          <a:prstGeom prst="rect">
-            <a:avLst/>
-          </a:prstGeom>
-        </p:spPr>
-      </p:pic>
-      <p:sp>
-        <p:nvSpPr>
-          <p:cNvPr id="6" name="文本框 5"/>
-          <p:cNvSpPr txBox="1"/>
-          <p:nvPr/>
-        </p:nvSpPr>
-        <p:spPr>
-          <a:xfrm>
-            <a:off x="1234440" y="711200"/>
-            <a:ext cx="3388360" cy="767715"/>
-          </a:xfrm>
-          <a:prstGeom prst="rect">
-            <a:avLst/>
-          </a:prstGeom>
-          <a:noFill/>
-        </p:spPr>
-        <p:txBody>
-          <a:bodyPr wrap="square" rtlCol="0">
-            <a:spAutoFit/>
-          </a:bodyPr>
-          <a:p>
-            <a:r>
-              <a:rPr lang="en-US" altLang="zh-CN" sz="4400"/>
-              <a:t>Trello</a:t>
-            </a:r>
-            <a:endParaRPr lang="en-US" altLang="zh-CN" sz="4400"/>
-          </a:p>
-        </p:txBody>
-      </p:sp>
-      <p:pic>
-        <p:nvPicPr>
-          <p:cNvPr id="9" name="图片 8" descr="Trello-Logo"/>
-          <p:cNvPicPr>
-            <a:picLocks noChangeAspect="1"/>
-          </p:cNvPicPr>
-          <p:nvPr/>
-        </p:nvPicPr>
-        <p:blipFill>
-          <a:blip r:embed="rId3"/>
-          <a:stretch>
-            <a:fillRect/>
-          </a:stretch>
-        </p:blipFill>
-        <p:spPr>
-          <a:xfrm>
-            <a:off x="1241425" y="1750695"/>
-            <a:ext cx="1697990" cy="558800"/>
-          </a:xfrm>
-          <a:prstGeom prst="rect">
-            <a:avLst/>
-          </a:prstGeom>
-        </p:spPr>
-      </p:pic>
-      <p:sp>
-        <p:nvSpPr>
-          <p:cNvPr id="10" name="五角星 9"/>
-          <p:cNvSpPr/>
-          <p:nvPr/>
-        </p:nvSpPr>
-        <p:spPr>
-          <a:xfrm>
-            <a:off x="1378585" y="2642235"/>
-            <a:ext cx="463550" cy="395605"/>
-          </a:xfrm>
-          <a:prstGeom prst="star5">
-            <a:avLst>
-              <a:gd name="adj" fmla="val 19075"/>
-              <a:gd name="hf" fmla="val 105146"/>
-              <a:gd name="vf" fmla="val 110557"/>
-            </a:avLst>
-          </a:prstGeom>
-          <a:solidFill>
-            <a:srgbClr val="FFCC66"/>
-          </a:solidFill>
-        </p:spPr>
-        <p:style>
-          <a:lnRef idx="3">
-            <a:schemeClr val="lt1"/>
-          </a:lnRef>
-          <a:fillRef idx="1">
-            <a:schemeClr val="accent4"/>
-          </a:fillRef>
-          <a:effectRef idx="1">
-            <a:schemeClr val="accent4"/>
-          </a:effectRef>
-          <a:fontRef idx="minor">
-            <a:schemeClr val="lt1"/>
-          </a:fontRef>
-        </p:style>
-        <p:txBody>
-          <a:bodyPr rtlCol="0" anchor="ctr"/>
-          <a:p>
-            <a:pPr algn="ctr"/>
-            <a:endParaRPr lang="zh-CN" altLang="en-US"/>
-          </a:p>
-        </p:txBody>
-      </p:sp>
-      <p:sp>
-        <p:nvSpPr>
-          <p:cNvPr id="12" name="五角星 11"/>
-          <p:cNvSpPr/>
-          <p:nvPr/>
-        </p:nvSpPr>
-        <p:spPr>
-          <a:xfrm>
-            <a:off x="1913255" y="2635250"/>
-            <a:ext cx="463550" cy="395605"/>
-          </a:xfrm>
-          <a:prstGeom prst="star5">
-            <a:avLst>
-              <a:gd name="adj" fmla="val 19075"/>
-              <a:gd name="hf" fmla="val 105146"/>
-              <a:gd name="vf" fmla="val 110557"/>
-            </a:avLst>
-          </a:prstGeom>
-          <a:solidFill>
-            <a:srgbClr val="FFCC66"/>
-          </a:solidFill>
-        </p:spPr>
-        <p:style>
-          <a:lnRef idx="3">
-            <a:schemeClr val="lt1"/>
-          </a:lnRef>
-          <a:fillRef idx="1">
-            <a:schemeClr val="accent4"/>
-          </a:fillRef>
-          <a:effectRef idx="1">
-            <a:schemeClr val="accent4"/>
-          </a:effectRef>
-          <a:fontRef idx="minor">
-            <a:schemeClr val="lt1"/>
-          </a:fontRef>
-        </p:style>
-        <p:txBody>
-          <a:bodyPr rtlCol="0" anchor="ctr"/>
-          <a:p>
-            <a:pPr algn="ctr"/>
-            <a:endParaRPr lang="zh-CN" altLang="en-US"/>
-          </a:p>
-        </p:txBody>
-      </p:sp>
-      <p:sp>
-        <p:nvSpPr>
-          <p:cNvPr id="13" name="五角星 12"/>
-          <p:cNvSpPr/>
-          <p:nvPr/>
-        </p:nvSpPr>
-        <p:spPr>
-          <a:xfrm>
-            <a:off x="2444750" y="2636520"/>
-            <a:ext cx="463550" cy="395605"/>
-          </a:xfrm>
-          <a:prstGeom prst="star5">
-            <a:avLst>
-              <a:gd name="adj" fmla="val 19075"/>
-              <a:gd name="hf" fmla="val 105146"/>
-              <a:gd name="vf" fmla="val 110557"/>
-            </a:avLst>
-          </a:prstGeom>
-          <a:solidFill>
-            <a:srgbClr val="FFCC66"/>
-          </a:solidFill>
-        </p:spPr>
-        <p:style>
-          <a:lnRef idx="3">
-            <a:schemeClr val="lt1"/>
-          </a:lnRef>
-          <a:fillRef idx="1">
-            <a:schemeClr val="accent4"/>
-          </a:fillRef>
-          <a:effectRef idx="1">
-            <a:schemeClr val="accent4"/>
-          </a:effectRef>
-          <a:fontRef idx="minor">
-            <a:schemeClr val="lt1"/>
-          </a:fontRef>
-        </p:style>
-        <p:txBody>
-          <a:bodyPr rtlCol="0" anchor="ctr"/>
-          <a:p>
-            <a:pPr algn="ctr"/>
-            <a:endParaRPr lang="zh-CN" altLang="en-US"/>
-          </a:p>
-        </p:txBody>
-      </p:sp>
-      <p:sp>
-        <p:nvSpPr>
-          <p:cNvPr id="7" name="文本框 6"/>
-          <p:cNvSpPr txBox="1"/>
-          <p:nvPr/>
-        </p:nvSpPr>
-        <p:spPr>
-          <a:xfrm>
-            <a:off x="743585" y="3818890"/>
-            <a:ext cx="2982595" cy="2654935"/>
-          </a:xfrm>
-          <a:prstGeom prst="rect">
-            <a:avLst/>
-          </a:prstGeom>
-          <a:noFill/>
-        </p:spPr>
-        <p:txBody>
-          <a:bodyPr wrap="square" rtlCol="0">
-            <a:spAutoFit/>
-          </a:bodyPr>
-          <a:p>
-            <a:r>
-              <a:rPr lang="en-US" altLang="zh-CN" sz="2400"/>
-              <a:t>Trello was an okay application to track our progress of the project, but it was easy to lose track of what things need to get done.</a:t>
-            </a:r>
-            <a:endParaRPr lang="en-US" altLang="zh-CN" sz="2400"/>
-          </a:p>
-        </p:txBody>
-      </p:sp>
-      <p:sp>
-        <p:nvSpPr>
-          <p:cNvPr id="14" name="文本框 13"/>
-          <p:cNvSpPr txBox="1"/>
-          <p:nvPr/>
-        </p:nvSpPr>
-        <p:spPr>
-          <a:xfrm>
-            <a:off x="1195070" y="3249930"/>
-            <a:ext cx="1931035" cy="460375"/>
-          </a:xfrm>
-          <a:prstGeom prst="rect">
-            <a:avLst/>
-          </a:prstGeom>
-          <a:noFill/>
-        </p:spPr>
-        <p:txBody>
-          <a:bodyPr wrap="square" rtlCol="0">
-            <a:spAutoFit/>
-          </a:bodyPr>
-          <a:p>
-            <a:r>
-              <a:rPr lang="en-US" altLang="zh-CN" sz="2400"/>
-              <a:t>Team tracker</a:t>
-            </a:r>
-            <a:endParaRPr lang="en-US" altLang="zh-CN" sz="2400"/>
-          </a:p>
-        </p:txBody>
-      </p:sp>
-    </p:spTree>
-  </p:cSld>
-  <p:clrMapOvr>
-    <a:masterClrMapping/>
-  </p:clrMapOvr>
-</p:sld>
-</file>
-
-<file path=ppt/slides/slide11.xml><?xml version="1.0" encoding="utf-8"?>
-<p:sld xmlns:a="http://schemas.openxmlformats.org/drawingml/2006/main" xmlns:r="http://schemas.openxmlformats.org/officeDocument/2006/relationships" xmlns:p="http://schemas.openxmlformats.org/presentationml/2006/main">
-  <p:cSld>
-    <p:bg>
-      <p:bgPr>
-        <a:blipFill rotWithShape="1">
-          <a:blip r:embed="rId1"/>
           <a:stretch>
             <a:fillRect/>
           </a:stretch>
@@ -3124,144 +2814,14 @@
       </p:grpSpPr>
       <p:sp>
         <p:nvSpPr>
-          <p:cNvPr id="3" name="内容占位符 2"/>
-          <p:cNvSpPr>
-            <a:spLocks noGrp="1"/>
-          </p:cNvSpPr>
-          <p:nvPr>
-            <p:ph idx="1"/>
-          </p:nvPr>
-        </p:nvSpPr>
-        <p:spPr>
-          <a:xfrm>
-            <a:off x="770890" y="986155"/>
-            <a:ext cx="10515600" cy="5425440"/>
-          </a:xfrm>
-        </p:spPr>
-        <p:txBody>
-          <a:bodyPr>
-            <a:normAutofit/>
-          </a:bodyPr>
-          <a:lstStyle/>
-          <a:p>
-            <a:endParaRPr lang="en-US" altLang="zh-CN" dirty="0" smtClean="0"/>
-          </a:p>
-          <a:p>
-            <a:r>
-              <a:rPr lang="en-US" altLang="zh-CN" dirty="0" smtClean="0"/>
-              <a:t>Agile</a:t>
-            </a:r>
-            <a:endParaRPr lang="en-US" altLang="zh-CN" dirty="0" smtClean="0"/>
-          </a:p>
-          <a:p>
-            <a:pPr marL="0" indent="0">
-              <a:buNone/>
-            </a:pPr>
-            <a:r>
-              <a:rPr lang="en-US" altLang="zh-CN" dirty="0" smtClean="0"/>
-              <a:t>  </a:t>
-            </a:r>
-            <a:r>
-              <a:rPr lang="en-US" altLang="zh-CN" dirty="0" smtClean="0">
-                <a:sym typeface="+mn-ea"/>
-              </a:rPr>
-              <a:t>-We meet once a week and before our meeting we conduct our Agile                   meeting.</a:t>
-            </a:r>
-            <a:r>
-              <a:rPr lang="zh-CN" altLang="en-US" dirty="0" smtClean="0">
-                <a:sym typeface="+mn-ea"/>
-              </a:rPr>
-              <a:t> </a:t>
-            </a:r>
-            <a:r>
-              <a:rPr lang="en-US" altLang="zh-CN" dirty="0" smtClean="0">
-                <a:sym typeface="+mn-ea"/>
-              </a:rPr>
-              <a:t>What we did last week? What should we do this week? If we ran any troubles?</a:t>
-            </a:r>
-            <a:endParaRPr lang="en-US" altLang="zh-CN" dirty="0" smtClean="0"/>
-          </a:p>
-          <a:p>
-            <a:pPr marL="0" indent="0">
-              <a:buNone/>
-            </a:pPr>
-            <a:endParaRPr lang="en-US" altLang="zh-CN" dirty="0" smtClean="0"/>
-          </a:p>
-          <a:p>
-            <a:r>
-              <a:rPr lang="en-US" altLang="zh-CN" dirty="0" smtClean="0">
-                <a:sym typeface="+mn-ea"/>
-              </a:rPr>
-              <a:t>Pair programming</a:t>
-            </a:r>
-            <a:endParaRPr lang="en-US" altLang="zh-CN" dirty="0" smtClean="0"/>
-          </a:p>
-          <a:p>
-            <a:pPr marL="0" indent="0">
-              <a:buNone/>
-            </a:pPr>
-            <a:r>
-              <a:rPr lang="en-US" altLang="zh-CN" dirty="0" smtClean="0">
-                <a:sym typeface="+mn-ea"/>
-              </a:rPr>
-              <a:t>  -We use </a:t>
-            </a:r>
-            <a:r>
-              <a:rPr lang="en-US" altLang="zh-CN" dirty="0" err="1" smtClean="0">
-                <a:sym typeface="+mn-ea"/>
-              </a:rPr>
-              <a:t>git</a:t>
-            </a:r>
-            <a:r>
-              <a:rPr lang="en-US" altLang="zh-CN" dirty="0" smtClean="0">
-                <a:sym typeface="+mn-ea"/>
-              </a:rPr>
-              <a:t> for pair programming.</a:t>
-            </a:r>
-            <a:endParaRPr lang="en-US" altLang="zh-CN" dirty="0" smtClean="0"/>
-          </a:p>
-          <a:p>
-            <a:endParaRPr lang="en-US" altLang="zh-CN" dirty="0" smtClean="0"/>
-          </a:p>
-          <a:p>
-            <a:r>
-              <a:rPr lang="en-US" altLang="zh-CN" dirty="0" smtClean="0"/>
-              <a:t>  </a:t>
-            </a:r>
-            <a:r>
-              <a:rPr lang="en-US" altLang="zh-CN" dirty="0" smtClean="0">
-                <a:sym typeface="+mn-ea"/>
-              </a:rPr>
-              <a:t>Peer code review</a:t>
-            </a:r>
-            <a:endParaRPr lang="en-US" altLang="zh-CN" dirty="0" smtClean="0"/>
-          </a:p>
-          <a:p>
-            <a:pPr marL="0" indent="0">
-              <a:buNone/>
-            </a:pPr>
-            <a:r>
-              <a:rPr lang="en-US" altLang="zh-CN" dirty="0"/>
-              <a:t> </a:t>
-            </a:r>
-            <a:r>
-              <a:rPr lang="en-US" altLang="zh-CN" dirty="0" smtClean="0"/>
-              <a:t> -Lab recitation for peer code review</a:t>
-            </a:r>
-            <a:endParaRPr lang="en-US" altLang="zh-CN" dirty="0"/>
-          </a:p>
-        </p:txBody>
-      </p:sp>
-      <p:sp>
-        <p:nvSpPr>
           <p:cNvPr id="2" name="文本框 1"/>
           <p:cNvSpPr txBox="1"/>
           <p:nvPr/>
         </p:nvSpPr>
         <p:spPr>
           <a:xfrm>
-            <a:off x="771525" y="503555"/>
-            <a:ext cx="3899535" cy="767715"/>
+            <a:off x="1592580" y="1260475"/>
+            <a:ext cx="3890645" cy="645160"/>
           </a:xfrm>
           <a:prstGeom prst="rect">
             <a:avLst/>
@@ -3272,12 +2832,208 @@
           <a:bodyPr wrap="square" rtlCol="0">
             <a:spAutoFit/>
           </a:bodyPr>
-          <a:p>
-            <a:r>
-              <a:rPr lang="zh-CN" altLang="en-US" sz="4400"/>
-              <a:t>Methodologies</a:t>
-            </a:r>
-            <a:endParaRPr lang="zh-CN" altLang="en-US" sz="4400"/>
+          <a:lstStyle/>
+          <a:p>
+            <a:r>
+              <a:rPr lang="en-US" altLang="zh-CN" sz="3600"/>
+              <a:t>Python Web Server</a:t>
+            </a:r>
+          </a:p>
+        </p:txBody>
+      </p:sp>
+      <p:pic>
+        <p:nvPicPr>
+          <p:cNvPr id="8" name="图片 7" descr="python-logo-master-v3-TM-flattened"/>
+          <p:cNvPicPr>
+            <a:picLocks noChangeAspect="1"/>
+          </p:cNvPicPr>
+          <p:nvPr/>
+        </p:nvPicPr>
+        <p:blipFill>
+          <a:blip r:embed="rId3"/>
+          <a:stretch>
+            <a:fillRect/>
+          </a:stretch>
+        </p:blipFill>
+        <p:spPr>
+          <a:xfrm>
+            <a:off x="2291715" y="2275840"/>
+            <a:ext cx="2244725" cy="643255"/>
+          </a:xfrm>
+          <a:prstGeom prst="rect">
+            <a:avLst/>
+          </a:prstGeom>
+        </p:spPr>
+      </p:pic>
+      <p:sp>
+        <p:nvSpPr>
+          <p:cNvPr id="11" name="五角星 10"/>
+          <p:cNvSpPr/>
+          <p:nvPr/>
+        </p:nvSpPr>
+        <p:spPr>
+          <a:xfrm>
+            <a:off x="3947160" y="3356610"/>
+            <a:ext cx="463550" cy="395605"/>
+          </a:xfrm>
+          <a:prstGeom prst="star5">
+            <a:avLst>
+              <a:gd name="adj" fmla="val 19075"/>
+              <a:gd name="hf" fmla="val 105146"/>
+              <a:gd name="vf" fmla="val 110557"/>
+            </a:avLst>
+          </a:prstGeom>
+          <a:solidFill>
+            <a:srgbClr val="FFCC66"/>
+          </a:solidFill>
+        </p:spPr>
+        <p:style>
+          <a:lnRef idx="3">
+            <a:schemeClr val="lt1"/>
+          </a:lnRef>
+          <a:fillRef idx="1">
+            <a:schemeClr val="accent4"/>
+          </a:fillRef>
+          <a:effectRef idx="1">
+            <a:schemeClr val="accent4"/>
+          </a:effectRef>
+          <a:fontRef idx="minor">
+            <a:schemeClr val="lt1"/>
+          </a:fontRef>
+        </p:style>
+        <p:txBody>
+          <a:bodyPr rtlCol="0" anchor="ctr"/>
+          <a:lstStyle/>
+          <a:p>
+            <a:pPr algn="ctr"/>
+            <a:endParaRPr lang="zh-CN" altLang="en-US"/>
+          </a:p>
+        </p:txBody>
+      </p:sp>
+      <p:sp>
+        <p:nvSpPr>
+          <p:cNvPr id="13" name="五角星 12"/>
+          <p:cNvSpPr/>
+          <p:nvPr/>
+        </p:nvSpPr>
+        <p:spPr>
+          <a:xfrm>
+            <a:off x="2444750" y="3340735"/>
+            <a:ext cx="463550" cy="395605"/>
+          </a:xfrm>
+          <a:prstGeom prst="star5">
+            <a:avLst>
+              <a:gd name="adj" fmla="val 19075"/>
+              <a:gd name="hf" fmla="val 105146"/>
+              <a:gd name="vf" fmla="val 110557"/>
+            </a:avLst>
+          </a:prstGeom>
+          <a:solidFill>
+            <a:srgbClr val="FFCC66"/>
+          </a:solidFill>
+        </p:spPr>
+        <p:style>
+          <a:lnRef idx="3">
+            <a:schemeClr val="lt1"/>
+          </a:lnRef>
+          <a:fillRef idx="1">
+            <a:schemeClr val="accent4"/>
+          </a:fillRef>
+          <a:effectRef idx="1">
+            <a:schemeClr val="accent4"/>
+          </a:effectRef>
+          <a:fontRef idx="minor">
+            <a:schemeClr val="lt1"/>
+          </a:fontRef>
+        </p:style>
+        <p:txBody>
+          <a:bodyPr rtlCol="0" anchor="ctr"/>
+          <a:lstStyle/>
+          <a:p>
+            <a:pPr algn="ctr"/>
+            <a:endParaRPr lang="zh-CN" altLang="en-US"/>
+          </a:p>
+        </p:txBody>
+      </p:sp>
+      <p:sp>
+        <p:nvSpPr>
+          <p:cNvPr id="14" name="五角星 13"/>
+          <p:cNvSpPr/>
+          <p:nvPr/>
+        </p:nvSpPr>
+        <p:spPr>
+          <a:xfrm>
+            <a:off x="3199130" y="3352165"/>
+            <a:ext cx="463550" cy="395605"/>
+          </a:xfrm>
+          <a:prstGeom prst="star5">
+            <a:avLst>
+              <a:gd name="adj" fmla="val 19075"/>
+              <a:gd name="hf" fmla="val 105146"/>
+              <a:gd name="vf" fmla="val 110557"/>
+            </a:avLst>
+          </a:prstGeom>
+          <a:solidFill>
+            <a:srgbClr val="FFCC66"/>
+          </a:solidFill>
+        </p:spPr>
+        <p:style>
+          <a:lnRef idx="3">
+            <a:schemeClr val="lt1"/>
+          </a:lnRef>
+          <a:fillRef idx="1">
+            <a:schemeClr val="accent4"/>
+          </a:fillRef>
+          <a:effectRef idx="1">
+            <a:schemeClr val="accent4"/>
+          </a:effectRef>
+          <a:fontRef idx="minor">
+            <a:schemeClr val="lt1"/>
+          </a:fontRef>
+        </p:style>
+        <p:txBody>
+          <a:bodyPr rtlCol="0" anchor="ctr"/>
+          <a:lstStyle/>
+          <a:p>
+            <a:pPr algn="ctr"/>
+            <a:endParaRPr lang="zh-CN" altLang="en-US"/>
+          </a:p>
+        </p:txBody>
+      </p:sp>
+      <p:sp>
+        <p:nvSpPr>
+          <p:cNvPr id="5" name="文本框 4"/>
+          <p:cNvSpPr txBox="1"/>
+          <p:nvPr/>
+        </p:nvSpPr>
+        <p:spPr>
+          <a:xfrm>
+            <a:off x="5367020" y="2341880"/>
+            <a:ext cx="4727575" cy="1557655"/>
+          </a:xfrm>
+          <a:prstGeom prst="rect">
+            <a:avLst/>
+          </a:prstGeom>
+          <a:noFill/>
+        </p:spPr>
+        <p:txBody>
+          <a:bodyPr wrap="square" rtlCol="0">
+            <a:spAutoFit/>
+          </a:bodyPr>
+          <a:lstStyle/>
+          <a:p>
+            <a:r>
+              <a:rPr lang="zh-CN" altLang="en-US" sz="2400"/>
+              <a:t>We were able to run our website on a local host server, but it didn</a:t>
+            </a:r>
+            <a:r>
+              <a:rPr lang="en-US" altLang="zh-CN" sz="2400"/>
+              <a:t>'</a:t>
+            </a:r>
+            <a:r>
+              <a:rPr lang="zh-CN" altLang="en-US" sz="2400"/>
+              <a:t>t support PHP websites which is a big downside.</a:t>
+            </a:r>
           </a:p>
         </p:txBody>
       </p:sp>
@@ -3286,16 +3042,23 @@
   <p:clrMapOvr>
     <a:masterClrMapping/>
   </p:clrMapOvr>
+  <p:timing>
+    <p:tnLst>
+      <p:par>
+        <p:cTn id="1" dur="indefinite" restart="never" nodeType="tmRoot"/>
+      </p:par>
+    </p:tnLst>
+  </p:timing>
 </p:sld>
 </file>
 
-<file path=ppt/slides/slide12.xml><?xml version="1.0" encoding="utf-8"?>
+<file path=ppt/slides/slide11.xml><?xml version="1.0" encoding="utf-8"?>
 <p:sld xmlns:a="http://schemas.openxmlformats.org/drawingml/2006/main" xmlns:r="http://schemas.openxmlformats.org/officeDocument/2006/relationships" xmlns:p="http://schemas.openxmlformats.org/presentationml/2006/main">
   <p:cSld>
     <p:bg>
       <p:bgPr>
         <a:blipFill rotWithShape="1">
-          <a:blip r:embed="rId1"/>
+          <a:blip r:embed="rId2"/>
           <a:stretch>
             <a:fillRect/>
           </a:stretch>
@@ -3317,6 +3080,520 @@
           <a:chExt cx="0" cy="0"/>
         </a:xfrm>
       </p:grpSpPr>
+      <p:pic>
+        <p:nvPicPr>
+          <p:cNvPr id="5" name="图片 4" descr="QQ图片20160421200747"/>
+          <p:cNvPicPr>
+            <a:picLocks noChangeAspect="1"/>
+          </p:cNvPicPr>
+          <p:nvPr/>
+        </p:nvPicPr>
+        <p:blipFill>
+          <a:blip r:embed="rId3"/>
+          <a:stretch>
+            <a:fillRect/>
+          </a:stretch>
+        </p:blipFill>
+        <p:spPr>
+          <a:xfrm>
+            <a:off x="3646170" y="435610"/>
+            <a:ext cx="8192770" cy="5565775"/>
+          </a:xfrm>
+          <a:prstGeom prst="rect">
+            <a:avLst/>
+          </a:prstGeom>
+        </p:spPr>
+      </p:pic>
+      <p:sp>
+        <p:nvSpPr>
+          <p:cNvPr id="6" name="文本框 5"/>
+          <p:cNvSpPr txBox="1"/>
+          <p:nvPr/>
+        </p:nvSpPr>
+        <p:spPr>
+          <a:xfrm>
+            <a:off x="1234440" y="711200"/>
+            <a:ext cx="3388360" cy="767715"/>
+          </a:xfrm>
+          <a:prstGeom prst="rect">
+            <a:avLst/>
+          </a:prstGeom>
+          <a:noFill/>
+        </p:spPr>
+        <p:txBody>
+          <a:bodyPr wrap="square" rtlCol="0">
+            <a:spAutoFit/>
+          </a:bodyPr>
+          <a:lstStyle/>
+          <a:p>
+            <a:r>
+              <a:rPr lang="en-US" altLang="zh-CN" sz="4400"/>
+              <a:t>Trello</a:t>
+            </a:r>
+          </a:p>
+        </p:txBody>
+      </p:sp>
+      <p:pic>
+        <p:nvPicPr>
+          <p:cNvPr id="9" name="图片 8" descr="Trello-Logo"/>
+          <p:cNvPicPr>
+            <a:picLocks noChangeAspect="1"/>
+          </p:cNvPicPr>
+          <p:nvPr/>
+        </p:nvPicPr>
+        <p:blipFill>
+          <a:blip r:embed="rId4"/>
+          <a:stretch>
+            <a:fillRect/>
+          </a:stretch>
+        </p:blipFill>
+        <p:spPr>
+          <a:xfrm>
+            <a:off x="1241425" y="1750695"/>
+            <a:ext cx="1697990" cy="558800"/>
+          </a:xfrm>
+          <a:prstGeom prst="rect">
+            <a:avLst/>
+          </a:prstGeom>
+        </p:spPr>
+      </p:pic>
+      <p:sp>
+        <p:nvSpPr>
+          <p:cNvPr id="10" name="五角星 9"/>
+          <p:cNvSpPr/>
+          <p:nvPr/>
+        </p:nvSpPr>
+        <p:spPr>
+          <a:xfrm>
+            <a:off x="1378585" y="2642235"/>
+            <a:ext cx="463550" cy="395605"/>
+          </a:xfrm>
+          <a:prstGeom prst="star5">
+            <a:avLst>
+              <a:gd name="adj" fmla="val 19075"/>
+              <a:gd name="hf" fmla="val 105146"/>
+              <a:gd name="vf" fmla="val 110557"/>
+            </a:avLst>
+          </a:prstGeom>
+          <a:solidFill>
+            <a:srgbClr val="FFCC66"/>
+          </a:solidFill>
+        </p:spPr>
+        <p:style>
+          <a:lnRef idx="3">
+            <a:schemeClr val="lt1"/>
+          </a:lnRef>
+          <a:fillRef idx="1">
+            <a:schemeClr val="accent4"/>
+          </a:fillRef>
+          <a:effectRef idx="1">
+            <a:schemeClr val="accent4"/>
+          </a:effectRef>
+          <a:fontRef idx="minor">
+            <a:schemeClr val="lt1"/>
+          </a:fontRef>
+        </p:style>
+        <p:txBody>
+          <a:bodyPr rtlCol="0" anchor="ctr"/>
+          <a:lstStyle/>
+          <a:p>
+            <a:pPr algn="ctr"/>
+            <a:endParaRPr lang="zh-CN" altLang="en-US"/>
+          </a:p>
+        </p:txBody>
+      </p:sp>
+      <p:sp>
+        <p:nvSpPr>
+          <p:cNvPr id="12" name="五角星 11"/>
+          <p:cNvSpPr/>
+          <p:nvPr/>
+        </p:nvSpPr>
+        <p:spPr>
+          <a:xfrm>
+            <a:off x="1913255" y="2635250"/>
+            <a:ext cx="463550" cy="395605"/>
+          </a:xfrm>
+          <a:prstGeom prst="star5">
+            <a:avLst>
+              <a:gd name="adj" fmla="val 19075"/>
+              <a:gd name="hf" fmla="val 105146"/>
+              <a:gd name="vf" fmla="val 110557"/>
+            </a:avLst>
+          </a:prstGeom>
+          <a:solidFill>
+            <a:srgbClr val="FFCC66"/>
+          </a:solidFill>
+        </p:spPr>
+        <p:style>
+          <a:lnRef idx="3">
+            <a:schemeClr val="lt1"/>
+          </a:lnRef>
+          <a:fillRef idx="1">
+            <a:schemeClr val="accent4"/>
+          </a:fillRef>
+          <a:effectRef idx="1">
+            <a:schemeClr val="accent4"/>
+          </a:effectRef>
+          <a:fontRef idx="minor">
+            <a:schemeClr val="lt1"/>
+          </a:fontRef>
+        </p:style>
+        <p:txBody>
+          <a:bodyPr rtlCol="0" anchor="ctr"/>
+          <a:lstStyle/>
+          <a:p>
+            <a:pPr algn="ctr"/>
+            <a:endParaRPr lang="zh-CN" altLang="en-US"/>
+          </a:p>
+        </p:txBody>
+      </p:sp>
+      <p:sp>
+        <p:nvSpPr>
+          <p:cNvPr id="13" name="五角星 12"/>
+          <p:cNvSpPr/>
+          <p:nvPr/>
+        </p:nvSpPr>
+        <p:spPr>
+          <a:xfrm>
+            <a:off x="2444750" y="2636520"/>
+            <a:ext cx="463550" cy="395605"/>
+          </a:xfrm>
+          <a:prstGeom prst="star5">
+            <a:avLst>
+              <a:gd name="adj" fmla="val 19075"/>
+              <a:gd name="hf" fmla="val 105146"/>
+              <a:gd name="vf" fmla="val 110557"/>
+            </a:avLst>
+          </a:prstGeom>
+          <a:solidFill>
+            <a:srgbClr val="FFCC66"/>
+          </a:solidFill>
+        </p:spPr>
+        <p:style>
+          <a:lnRef idx="3">
+            <a:schemeClr val="lt1"/>
+          </a:lnRef>
+          <a:fillRef idx="1">
+            <a:schemeClr val="accent4"/>
+          </a:fillRef>
+          <a:effectRef idx="1">
+            <a:schemeClr val="accent4"/>
+          </a:effectRef>
+          <a:fontRef idx="minor">
+            <a:schemeClr val="lt1"/>
+          </a:fontRef>
+        </p:style>
+        <p:txBody>
+          <a:bodyPr rtlCol="0" anchor="ctr"/>
+          <a:lstStyle/>
+          <a:p>
+            <a:pPr algn="ctr"/>
+            <a:endParaRPr lang="zh-CN" altLang="en-US"/>
+          </a:p>
+        </p:txBody>
+      </p:sp>
+      <p:sp>
+        <p:nvSpPr>
+          <p:cNvPr id="7" name="文本框 6"/>
+          <p:cNvSpPr txBox="1"/>
+          <p:nvPr/>
+        </p:nvSpPr>
+        <p:spPr>
+          <a:xfrm>
+            <a:off x="743585" y="3818890"/>
+            <a:ext cx="2982595" cy="2654935"/>
+          </a:xfrm>
+          <a:prstGeom prst="rect">
+            <a:avLst/>
+          </a:prstGeom>
+          <a:noFill/>
+        </p:spPr>
+        <p:txBody>
+          <a:bodyPr wrap="square" rtlCol="0">
+            <a:spAutoFit/>
+          </a:bodyPr>
+          <a:lstStyle/>
+          <a:p>
+            <a:r>
+              <a:rPr lang="en-US" altLang="zh-CN" sz="2400"/>
+              <a:t>Trello was an okay application to track our progress of the project, but it was easy to lose track of what things need to get done.</a:t>
+            </a:r>
+          </a:p>
+        </p:txBody>
+      </p:sp>
+      <p:sp>
+        <p:nvSpPr>
+          <p:cNvPr id="14" name="文本框 13"/>
+          <p:cNvSpPr txBox="1"/>
+          <p:nvPr/>
+        </p:nvSpPr>
+        <p:spPr>
+          <a:xfrm>
+            <a:off x="1195070" y="3249930"/>
+            <a:ext cx="1931035" cy="460375"/>
+          </a:xfrm>
+          <a:prstGeom prst="rect">
+            <a:avLst/>
+          </a:prstGeom>
+          <a:noFill/>
+        </p:spPr>
+        <p:txBody>
+          <a:bodyPr wrap="square" rtlCol="0">
+            <a:spAutoFit/>
+          </a:bodyPr>
+          <a:lstStyle/>
+          <a:p>
+            <a:r>
+              <a:rPr lang="en-US" altLang="zh-CN" sz="2400"/>
+              <a:t>Team tracker</a:t>
+            </a:r>
+          </a:p>
+        </p:txBody>
+      </p:sp>
+    </p:spTree>
+  </p:cSld>
+  <p:clrMapOvr>
+    <a:masterClrMapping/>
+  </p:clrMapOvr>
+  <p:timing>
+    <p:tnLst>
+      <p:par>
+        <p:cTn id="1" dur="indefinite" restart="never" nodeType="tmRoot"/>
+      </p:par>
+    </p:tnLst>
+  </p:timing>
+</p:sld>
+</file>
+
+<file path=ppt/slides/slide12.xml><?xml version="1.0" encoding="utf-8"?>
+<p:sld xmlns:a="http://schemas.openxmlformats.org/drawingml/2006/main" xmlns:r="http://schemas.openxmlformats.org/officeDocument/2006/relationships" xmlns:p="http://schemas.openxmlformats.org/presentationml/2006/main">
+  <p:cSld>
+    <p:bg>
+      <p:bgPr>
+        <a:blipFill rotWithShape="1">
+          <a:blip r:embed="rId2"/>
+          <a:stretch>
+            <a:fillRect/>
+          </a:stretch>
+        </a:blipFill>
+        <a:effectLst/>
+      </p:bgPr>
+    </p:bg>
+    <p:spTree>
+      <p:nvGrpSpPr>
+        <p:cNvPr id="1" name=""/>
+        <p:cNvGrpSpPr/>
+        <p:nvPr/>
+      </p:nvGrpSpPr>
+      <p:grpSpPr>
+        <a:xfrm>
+          <a:off x="0" y="0"/>
+          <a:ext cx="0" cy="0"/>
+          <a:chOff x="0" y="0"/>
+          <a:chExt cx="0" cy="0"/>
+        </a:xfrm>
+      </p:grpSpPr>
+      <p:sp>
+        <p:nvSpPr>
+          <p:cNvPr id="3" name="内容占位符 2"/>
+          <p:cNvSpPr>
+            <a:spLocks noGrp="1"/>
+          </p:cNvSpPr>
+          <p:nvPr>
+            <p:ph idx="1"/>
+          </p:nvPr>
+        </p:nvSpPr>
+        <p:spPr>
+          <a:xfrm>
+            <a:off x="770890" y="986155"/>
+            <a:ext cx="10515600" cy="5425440"/>
+          </a:xfrm>
+        </p:spPr>
+        <p:txBody>
+          <a:bodyPr>
+            <a:normAutofit/>
+          </a:bodyPr>
+          <a:lstStyle/>
+          <a:p>
+            <a:endParaRPr lang="en-US" altLang="zh-CN" dirty="0" smtClean="0"/>
+          </a:p>
+          <a:p>
+            <a:r>
+              <a:rPr lang="en-US" altLang="zh-CN" dirty="0" smtClean="0"/>
+              <a:t>Agile</a:t>
+            </a:r>
+          </a:p>
+          <a:p>
+            <a:pPr marL="0" indent="0">
+              <a:buNone/>
+            </a:pPr>
+            <a:r>
+              <a:rPr lang="en-US" altLang="zh-CN" dirty="0" smtClean="0"/>
+              <a:t>  </a:t>
+            </a:r>
+            <a:r>
+              <a:rPr lang="en-US" altLang="zh-CN" dirty="0" smtClean="0">
+                <a:sym typeface="+mn-ea"/>
+              </a:rPr>
+              <a:t>-We meet once a week and before our meeting we conduct our Agile                   meeting.</a:t>
+            </a:r>
+            <a:r>
+              <a:rPr lang="zh-CN" altLang="en-US" dirty="0" smtClean="0">
+                <a:sym typeface="+mn-ea"/>
+              </a:rPr>
+              <a:t> </a:t>
+            </a:r>
+            <a:r>
+              <a:rPr lang="en-US" altLang="zh-CN" dirty="0" smtClean="0">
+                <a:sym typeface="+mn-ea"/>
+              </a:rPr>
+              <a:t>What we did last week? What should we do this week? If we ran any troubles?</a:t>
+            </a:r>
+            <a:endParaRPr lang="en-US" altLang="zh-CN" dirty="0" smtClean="0"/>
+          </a:p>
+          <a:p>
+            <a:pPr marL="0" indent="0">
+              <a:buNone/>
+            </a:pPr>
+            <a:endParaRPr lang="en-US" altLang="zh-CN" dirty="0" smtClean="0"/>
+          </a:p>
+          <a:p>
+            <a:r>
+              <a:rPr lang="en-US" altLang="zh-CN" dirty="0" smtClean="0">
+                <a:sym typeface="+mn-ea"/>
+              </a:rPr>
+              <a:t>Pair programming</a:t>
+            </a:r>
+            <a:endParaRPr lang="en-US" altLang="zh-CN" dirty="0" smtClean="0"/>
+          </a:p>
+          <a:p>
+            <a:pPr marL="0" indent="0">
+              <a:buNone/>
+            </a:pPr>
+            <a:r>
+              <a:rPr lang="en-US" altLang="zh-CN" dirty="0" smtClean="0">
+                <a:sym typeface="+mn-ea"/>
+              </a:rPr>
+              <a:t>  -We use </a:t>
+            </a:r>
+            <a:r>
+              <a:rPr lang="en-US" altLang="zh-CN" dirty="0" err="1" smtClean="0">
+                <a:sym typeface="+mn-ea"/>
+              </a:rPr>
+              <a:t>git</a:t>
+            </a:r>
+            <a:r>
+              <a:rPr lang="en-US" altLang="zh-CN" dirty="0" smtClean="0">
+                <a:sym typeface="+mn-ea"/>
+              </a:rPr>
+              <a:t> for pair programming.</a:t>
+            </a:r>
+            <a:endParaRPr lang="en-US" altLang="zh-CN" dirty="0" smtClean="0"/>
+          </a:p>
+          <a:p>
+            <a:endParaRPr lang="en-US" altLang="zh-CN" dirty="0" smtClean="0"/>
+          </a:p>
+          <a:p>
+            <a:r>
+              <a:rPr lang="en-US" altLang="zh-CN" dirty="0" smtClean="0"/>
+              <a:t>  </a:t>
+            </a:r>
+            <a:r>
+              <a:rPr lang="en-US" altLang="zh-CN" dirty="0" smtClean="0">
+                <a:sym typeface="+mn-ea"/>
+              </a:rPr>
+              <a:t>Peer code review</a:t>
+            </a:r>
+            <a:endParaRPr lang="en-US" altLang="zh-CN" dirty="0" smtClean="0"/>
+          </a:p>
+          <a:p>
+            <a:pPr marL="0" indent="0">
+              <a:buNone/>
+            </a:pPr>
+            <a:r>
+              <a:rPr lang="en-US" altLang="zh-CN" dirty="0"/>
+              <a:t> </a:t>
+            </a:r>
+            <a:r>
+              <a:rPr lang="en-US" altLang="zh-CN" dirty="0" smtClean="0"/>
+              <a:t> -Lab recitation for peer code review</a:t>
+            </a:r>
+            <a:endParaRPr lang="en-US" altLang="zh-CN" dirty="0"/>
+          </a:p>
+        </p:txBody>
+      </p:sp>
+      <p:sp>
+        <p:nvSpPr>
+          <p:cNvPr id="2" name="文本框 1"/>
+          <p:cNvSpPr txBox="1"/>
+          <p:nvPr/>
+        </p:nvSpPr>
+        <p:spPr>
+          <a:xfrm>
+            <a:off x="771525" y="503555"/>
+            <a:ext cx="3899535" cy="767715"/>
+          </a:xfrm>
+          <a:prstGeom prst="rect">
+            <a:avLst/>
+          </a:prstGeom>
+          <a:noFill/>
+        </p:spPr>
+        <p:txBody>
+          <a:bodyPr wrap="square" rtlCol="0">
+            <a:spAutoFit/>
+          </a:bodyPr>
+          <a:lstStyle/>
+          <a:p>
+            <a:r>
+              <a:rPr lang="zh-CN" altLang="en-US" sz="4400"/>
+              <a:t>Methodologies</a:t>
+            </a:r>
+          </a:p>
+        </p:txBody>
+      </p:sp>
+    </p:spTree>
+  </p:cSld>
+  <p:clrMapOvr>
+    <a:masterClrMapping/>
+  </p:clrMapOvr>
+  <p:timing>
+    <p:tnLst>
+      <p:par>
+        <p:cTn id="1" dur="indefinite" restart="never" nodeType="tmRoot"/>
+      </p:par>
+    </p:tnLst>
+  </p:timing>
+</p:sld>
+</file>
+
+<file path=ppt/slides/slide13.xml><?xml version="1.0" encoding="utf-8"?>
+<p:sld xmlns:a="http://schemas.openxmlformats.org/drawingml/2006/main" xmlns:r="http://schemas.openxmlformats.org/officeDocument/2006/relationships" xmlns:p="http://schemas.openxmlformats.org/presentationml/2006/main">
+  <p:cSld>
+    <p:bg>
+      <p:bgPr>
+        <a:blipFill rotWithShape="1">
+          <a:blip r:embed="rId2"/>
+          <a:stretch>
+            <a:fillRect/>
+          </a:stretch>
+        </a:blipFill>
+        <a:effectLst/>
+      </p:bgPr>
+    </p:bg>
+    <p:spTree>
+      <p:nvGrpSpPr>
+        <p:cNvPr id="1" name=""/>
+        <p:cNvGrpSpPr/>
+        <p:nvPr/>
+      </p:nvGrpSpPr>
+      <p:grpSpPr>
+        <a:xfrm>
+          <a:off x="0" y="0"/>
+          <a:ext cx="0" cy="0"/>
+          <a:chOff x="0" y="0"/>
+          <a:chExt cx="0" cy="0"/>
+        </a:xfrm>
+      </p:grpSpPr>
       <p:sp>
         <p:nvSpPr>
           <p:cNvPr id="2" name="标题 1"/>
@@ -3347,18 +3624,6 @@
               </a:rPr>
               <a:t>Challenges</a:t>
             </a:r>
-            <a:endParaRPr lang="en-US" altLang="en-US">
-              <a:solidFill>
-                <a:schemeClr val="tx1"/>
-              </a:solidFill>
-              <a:effectLst>
-                <a:outerShdw blurRad="38100" dist="19050" dir="2700000" algn="tl" rotWithShape="0">
-                  <a:schemeClr val="dk1">
-                    <a:alpha val="40000"/>
-                  </a:schemeClr>
-                </a:outerShdw>
-              </a:effectLst>
-            </a:endParaRPr>
           </a:p>
         </p:txBody>
       </p:sp>
@@ -3378,26 +3643,48 @@
           <a:lstStyle/>
           <a:p>
             <a:r>
-              <a:rPr lang="en-US" altLang="zh-CN"/>
-              <a:t>Window size not formatting properly on different laptop screen. Was not able to find a current </a:t>
-            </a:r>
-            <a:r>
-              <a:rPr lang="en-US" altLang="zh-CN">
+              <a:rPr lang="en-US" altLang="zh-CN" dirty="0"/>
+              <a:t>Window size not formatting properly on different laptop screen</a:t>
+            </a:r>
+            <a:r>
+              <a:rPr lang="en-US" altLang="zh-CN" dirty="0" smtClean="0"/>
+              <a:t>.</a:t>
+            </a:r>
+            <a:r>
+              <a:rPr lang="en-US" altLang="zh-CN" dirty="0" smtClean="0">
                 <a:sym typeface="+mn-ea"/>
               </a:rPr>
-              <a:t>working solution. Minor since project was still able to proceed.</a:t>
-            </a:r>
-            <a:endParaRPr lang="en-US" altLang="zh-CN"/>
-          </a:p>
-          <a:p>
-            <a:endParaRPr lang="en-US" altLang="zh-CN"/>
-          </a:p>
-          <a:p>
-            <a:r>
-              <a:rPr lang="en-US" altLang="zh-CN"/>
-              <a:t>Linking data base to website. Was not able to find a current working solution. It greatly affected our project plans since that was the main goal of project.</a:t>
-            </a:r>
-            <a:endParaRPr lang="en-US" altLang="zh-CN"/>
+              <a:t> </a:t>
+            </a:r>
+            <a:r>
+              <a:rPr lang="en-US" altLang="zh-CN" dirty="0">
+                <a:sym typeface="+mn-ea"/>
+              </a:rPr>
+              <a:t>Minor since project was still able to proceed.</a:t>
+            </a:r>
+            <a:endParaRPr lang="en-US" altLang="zh-CN" dirty="0"/>
+          </a:p>
+          <a:p>
+            <a:endParaRPr lang="en-US" altLang="zh-CN" dirty="0"/>
+          </a:p>
+          <a:p>
+            <a:r>
+              <a:rPr lang="en-US" altLang="zh-CN" dirty="0"/>
+              <a:t>Linking data base to website. </a:t>
+            </a:r>
+            <a:r>
+              <a:rPr lang="en-US" altLang="zh-CN" dirty="0" smtClean="0"/>
+              <a:t>We just ran of time, It </a:t>
+            </a:r>
+            <a:r>
+              <a:rPr lang="en-US" altLang="zh-CN" dirty="0"/>
+              <a:t>greatly affected our project plans since that was the main goal of project</a:t>
+            </a:r>
+            <a:r>
+              <a:rPr lang="en-US" altLang="zh-CN" dirty="0" smtClean="0"/>
+              <a:t>. But we were able to create a database of login for users.</a:t>
+            </a:r>
+            <a:endParaRPr lang="en-US" altLang="zh-CN" dirty="0"/>
           </a:p>
         </p:txBody>
       </p:sp>
@@ -3406,16 +3693,23 @@
   <p:clrMapOvr>
     <a:masterClrMapping/>
   </p:clrMapOvr>
+  <p:timing>
+    <p:tnLst>
+      <p:par>
+        <p:cTn id="1" dur="indefinite" restart="never" nodeType="tmRoot"/>
+      </p:par>
+    </p:tnLst>
+  </p:timing>
 </p:sld>
 </file>
 
-<file path=ppt/slides/slide13.xml><?xml version="1.0" encoding="utf-8"?>
+<file path=ppt/slides/slide14.xml><?xml version="1.0" encoding="utf-8"?>
 <p:sld xmlns:a="http://schemas.openxmlformats.org/drawingml/2006/main" xmlns:r="http://schemas.openxmlformats.org/officeDocument/2006/relationships" xmlns:p="http://schemas.openxmlformats.org/presentationml/2006/main">
   <p:cSld>
     <p:bg>
       <p:bgPr>
         <a:blipFill rotWithShape="1">
-          <a:blip r:embed="rId1"/>
+          <a:blip r:embed="rId2"/>
           <a:stretch>
             <a:fillRect/>
           </a:stretch>
@@ -3429,7 +3723,14 @@
         <p:cNvGrpSpPr/>
         <p:nvPr/>
       </p:nvGrpSpPr>
-      <p:grpSpPr/>
+      <p:grpSpPr>
+        <a:xfrm>
+          <a:off x="0" y="0"/>
+          <a:ext cx="0" cy="0"/>
+          <a:chOff x="0" y="0"/>
+          <a:chExt cx="0" cy="0"/>
+        </a:xfrm>
+      </p:grpSpPr>
       <p:sp>
         <p:nvSpPr>
           <p:cNvPr id="4" name="文本框 3"/>
@@ -3454,6 +3755,7 @@
               <a:lightRig rig="threePt" dir="t"/>
             </a:scene3d>
           </a:bodyPr>
+          <a:lstStyle/>
           <a:p>
             <a:r>
               <a:rPr lang="en-US" altLang="zh-CN" sz="7200">
@@ -3482,30 +3784,6 @@
               </a:rPr>
               <a:t>Thank You!</a:t>
             </a:r>
-            <a:endParaRPr lang="en-US" altLang="zh-CN" sz="7200">
-              <a:ln w="12700">
-                <a:solidFill>
-                  <a:schemeClr val="accent1"/>
-                </a:solidFill>
-                <a:prstDash val="solid"/>
-              </a:ln>
-              <a:pattFill prst="pct50">
-                <a:fgClr>
-                  <a:schemeClr val="accent1"/>
-                </a:fgClr>
-                <a:bgClr>
-                  <a:schemeClr val="accent1">
-                    <a:lumMod val="20000"/>
-                    <a:lumOff val="80000"/>
-                  </a:schemeClr>
-                </a:bgClr>
-              </a:pattFill>
-              <a:effectLst>
-                <a:outerShdw dist="38100" dir="2640000" algn="bl" rotWithShape="0">
-                  <a:schemeClr val="accent1"/>
-                </a:outerShdw>
-              </a:effectLst>
-            </a:endParaRPr>
           </a:p>
         </p:txBody>
       </p:sp>
@@ -3514,6 +3792,13 @@
   <p:clrMapOvr>
     <a:masterClrMapping/>
   </p:clrMapOvr>
+  <p:timing>
+    <p:tnLst>
+      <p:par>
+        <p:cTn id="1" dur="indefinite" restart="never" nodeType="tmRoot"/>
+      </p:par>
+    </p:tnLst>
+  </p:timing>
 </p:sld>
 </file>
 
@@ -3523,7 +3808,7 @@
     <p:bg>
       <p:bgPr>
         <a:blipFill rotWithShape="1">
-          <a:blip r:embed="rId1"/>
+          <a:blip r:embed="rId2"/>
           <a:stretch>
             <a:fillRect/>
           </a:stretch>
@@ -3557,7 +3842,7 @@
         </p:nvGraphicFramePr>
         <p:xfrm>
           <a:off x="1730375" y="383540"/>
-          <a:ext cx="8415655" cy="6311900"/>
+          <a:ext cx="8415655" cy="6306820"/>
         </p:xfrm>
         <a:graphic>
           <a:graphicData uri="http://schemas.openxmlformats.org/drawingml/2006/table">
@@ -3594,7 +3879,6 @@
                         <a:rPr lang="en-US" dirty="0" smtClean="0"/>
                         <a:t>Purpose</a:t>
                       </a:r>
-                      <a:endParaRPr lang="en-US" dirty="0" smtClean="0"/>
                     </a:p>
                     <a:p>
                       <a:endParaRPr lang="en-US" dirty="0"/>
@@ -3681,7 +3965,6 @@
                         <a:rPr lang="en-US" dirty="0"/>
                         <a:t>Git</a:t>
                       </a:r>
-                      <a:endParaRPr lang="en-US" dirty="0"/>
                     </a:p>
                   </a:txBody>
                   <a:tcPr/>
@@ -3705,6 +3988,7 @@
                 <a:tc>
                   <a:txBody>
                     <a:bodyPr/>
+                    <a:lstStyle/>
                     <a:p>
                       <a:pPr>
                         <a:buNone/>
@@ -3723,6 +4007,7 @@
                 <a:tc>
                   <a:txBody>
                     <a:bodyPr/>
+                    <a:lstStyle/>
                     <a:p>
                       <a:pPr>
                         <a:buNone/>
@@ -3735,6 +4020,7 @@
                 <a:tc>
                   <a:txBody>
                     <a:bodyPr/>
+                    <a:lstStyle/>
                     <a:p>
                       <a:pPr>
                         <a:buNone/>
@@ -3753,6 +4039,7 @@
                 <a:tc>
                   <a:txBody>
                     <a:bodyPr/>
+                    <a:lstStyle/>
                     <a:p>
                       <a:pPr>
                         <a:buNone/>
@@ -3773,6 +4060,7 @@
                 <a:tc>
                   <a:txBody>
                     <a:bodyPr/>
+                    <a:lstStyle/>
                     <a:p>
                       <a:pPr>
                         <a:buNone/>
@@ -3781,7 +4069,6 @@
                         <a:rPr lang="en-US" altLang="en-US" dirty="0"/>
                         <a:t>Database connection</a:t>
                       </a:r>
-                      <a:endParaRPr lang="en-US" altLang="en-US" dirty="0"/>
                     </a:p>
                   </a:txBody>
                   <a:tcPr/>
@@ -3789,6 +4076,7 @@
                 <a:tc>
                   <a:txBody>
                     <a:bodyPr/>
+                    <a:lstStyle/>
                     <a:p>
                       <a:pPr>
                         <a:buNone/>
@@ -3801,6 +4089,7 @@
                 <a:tc>
                   <a:txBody>
                     <a:bodyPr/>
+                    <a:lstStyle/>
                     <a:p>
                       <a:pPr>
                         <a:buNone/>
@@ -3809,7 +4098,6 @@
                         <a:rPr lang="en-US" altLang="en-US" dirty="0"/>
                         <a:t>phpMyAdmin</a:t>
                       </a:r>
-                      <a:endParaRPr lang="en-US" altLang="en-US" dirty="0"/>
                     </a:p>
                   </a:txBody>
                   <a:tcPr/>
@@ -3817,6 +4105,7 @@
                 <a:tc>
                   <a:txBody>
                     <a:bodyPr/>
+                    <a:lstStyle/>
                     <a:p>
                       <a:pPr>
                         <a:buNone/>
@@ -3825,7 +4114,6 @@
                         <a:rPr lang="en-US" altLang="en-US" dirty="0"/>
                         <a:t>5/5</a:t>
                       </a:r>
-                      <a:endParaRPr lang="en-US" altLang="en-US" dirty="0"/>
                     </a:p>
                   </a:txBody>
                   <a:tcPr/>
@@ -3835,6 +4123,7 @@
                 <a:tc>
                   <a:txBody>
                     <a:bodyPr/>
+                    <a:lstStyle/>
                     <a:p>
                       <a:pPr>
                         <a:buNone/>
@@ -3843,7 +4132,6 @@
                         <a:rPr lang="en-US" altLang="en-US" dirty="0"/>
                         <a:t>Web server</a:t>
                       </a:r>
-                      <a:endParaRPr lang="en-US" altLang="en-US" dirty="0"/>
                     </a:p>
                   </a:txBody>
                   <a:tcPr/>
@@ -3851,6 +4139,7 @@
                 <a:tc>
                   <a:txBody>
                     <a:bodyPr/>
+                    <a:lstStyle/>
                     <a:p>
                       <a:pPr>
                         <a:buNone/>
@@ -3863,6 +4152,7 @@
                 <a:tc>
                   <a:txBody>
                     <a:bodyPr/>
+                    <a:lstStyle/>
                     <a:p>
                       <a:pPr>
                         <a:buNone/>
@@ -3871,7 +4161,6 @@
                         <a:rPr lang="en-US" altLang="en-US" dirty="0"/>
                         <a:t>Apache</a:t>
                       </a:r>
-                      <a:endParaRPr lang="en-US" altLang="en-US" dirty="0"/>
                     </a:p>
                   </a:txBody>
                   <a:tcPr/>
@@ -3879,6 +4168,7 @@
                 <a:tc>
                   <a:txBody>
                     <a:bodyPr/>
+                    <a:lstStyle/>
                     <a:p>
                       <a:pPr>
                         <a:buNone/>
@@ -3887,7 +4177,6 @@
                         <a:rPr lang="en-US" altLang="en-US" dirty="0"/>
                         <a:t>5/5</a:t>
                       </a:r>
-                      <a:endParaRPr lang="en-US" altLang="en-US" dirty="0"/>
                     </a:p>
                   </a:txBody>
                   <a:tcPr/>
@@ -3903,7 +4192,6 @@
                         <a:rPr lang="en-US" dirty="0"/>
                         <a:t>Tunnel tool</a:t>
                       </a:r>
-                      <a:endParaRPr lang="en-US" dirty="0"/>
                     </a:p>
                   </a:txBody>
                   <a:tcPr/>
@@ -3927,7 +4215,6 @@
                         <a:rPr lang="en-US" dirty="0"/>
                         <a:t>ngrok</a:t>
                       </a:r>
-                      <a:endParaRPr lang="en-US" dirty="0"/>
                     </a:p>
                   </a:txBody>
                   <a:tcPr/>
@@ -3957,7 +4244,6 @@
                         <a:rPr lang="en-US" dirty="0" smtClean="0"/>
                         <a:t>development environment</a:t>
                       </a:r>
-                      <a:endParaRPr lang="en-US" dirty="0" smtClean="0"/>
                     </a:p>
                   </a:txBody>
                   <a:tcPr/>
@@ -4076,7 +4362,6 @@
                         <a:rPr lang="en-US" dirty="0"/>
                         <a:t>Project tracker</a:t>
                       </a:r>
-                      <a:endParaRPr lang="en-US" dirty="0"/>
                     </a:p>
                   </a:txBody>
                   <a:tcPr/>
@@ -4167,7 +4452,6 @@
                         <a:rPr lang="en-US" dirty="0"/>
                         <a:t>Doxygen</a:t>
                       </a:r>
-                      <a:endParaRPr lang="en-US" dirty="0"/>
                     </a:p>
                   </a:txBody>
                   <a:tcPr/>
@@ -4258,7 +4542,7 @@
           <p:nvPr/>
         </p:nvPicPr>
         <p:blipFill>
-          <a:blip r:embed="rId2"/>
+          <a:blip r:embed="rId3"/>
           <a:stretch>
             <a:fillRect/>
           </a:stretch>
@@ -4282,7 +4566,7 @@
           <p:nvPr/>
         </p:nvPicPr>
         <p:blipFill>
-          <a:blip r:embed="rId3"/>
+          <a:blip r:embed="rId4"/>
           <a:stretch>
             <a:fillRect/>
           </a:stretch>
@@ -4306,7 +4590,7 @@
           <p:nvPr/>
         </p:nvPicPr>
         <p:blipFill>
-          <a:blip r:embed="rId4"/>
+          <a:blip r:embed="rId5"/>
           <a:stretch>
             <a:fillRect/>
           </a:stretch>
@@ -4330,7 +4614,7 @@
           <p:nvPr/>
         </p:nvPicPr>
         <p:blipFill>
-          <a:blip r:embed="rId5"/>
+          <a:blip r:embed="rId6"/>
           <a:stretch>
             <a:fillRect/>
           </a:stretch>
@@ -4354,7 +4638,7 @@
           <p:nvPr/>
         </p:nvPicPr>
         <p:blipFill>
-          <a:blip r:embed="rId6"/>
+          <a:blip r:embed="rId7"/>
           <a:stretch>
             <a:fillRect/>
           </a:stretch>
@@ -4378,7 +4662,7 @@
           <p:nvPr/>
         </p:nvPicPr>
         <p:blipFill>
-          <a:blip r:embed="rId7"/>
+          <a:blip r:embed="rId8"/>
           <a:stretch>
             <a:fillRect/>
           </a:stretch>
@@ -4402,7 +4686,7 @@
           <p:nvPr/>
         </p:nvPicPr>
         <p:blipFill>
-          <a:blip r:embed="rId8"/>
+          <a:blip r:embed="rId9"/>
           <a:stretch>
             <a:fillRect/>
           </a:stretch>
@@ -4426,7 +4710,7 @@
           <p:nvPr/>
         </p:nvPicPr>
         <p:blipFill>
-          <a:blip r:embed="rId9"/>
+          <a:blip r:embed="rId10"/>
           <a:stretch>
             <a:fillRect/>
           </a:stretch>
@@ -4450,7 +4734,7 @@
           <p:nvPr/>
         </p:nvPicPr>
         <p:blipFill>
-          <a:blip r:embed="rId10"/>
+          <a:blip r:embed="rId11"/>
           <a:stretch>
             <a:fillRect/>
           </a:stretch>
@@ -4474,7 +4758,7 @@
           <p:nvPr/>
         </p:nvPicPr>
         <p:blipFill>
-          <a:blip r:embed="rId11"/>
+          <a:blip r:embed="rId12"/>
           <a:stretch>
             <a:fillRect/>
           </a:stretch>
@@ -4494,14 +4778,21 @@
   <p:clrMapOvr>
     <a:masterClrMapping/>
   </p:clrMapOvr>
-  <mc:AlternateContent xmlns:mc="http://schemas.openxmlformats.org/markup-compatibility/2006">
-    <mc:Choice xmlns:p14="http://schemas.microsoft.com/office/powerpoint/2010/main" Requires="p14">
+  <mc:AlternateContent xmlns:mc="http://schemas.openxmlformats.org/markup-compatibility/2006" xmlns:p14="http://schemas.microsoft.com/office/powerpoint/2010/main">
+    <mc:Choice Requires="p14">
       <p:transition spd="slow" p14:dur="2000"/>
     </mc:Choice>
-    <mc:Fallback>
+    <mc:Fallback xmlns="">
       <p:transition spd="slow"/>
     </mc:Fallback>
   </mc:AlternateContent>
+  <p:timing>
+    <p:tnLst>
+      <p:par>
+        <p:cTn id="1" dur="indefinite" restart="never" nodeType="tmRoot"/>
+      </p:par>
+    </p:tnLst>
+  </p:timing>
 </p:sld>
 </file>
 
@@ -4510,10 +4801,13 @@
   <p:cSld>
     <p:bg>
       <p:bgPr>
-        <a:blipFill rotWithShape="1">
-          <a:blip r:embed="rId1"/>
+        <a:blipFill dpi="0" rotWithShape="1">
+          <a:blip r:embed="rId2">
+            <a:lum/>
+          </a:blip>
+          <a:srcRect/>
           <a:stretch>
-            <a:fillRect/>
+            <a:fillRect t="-17000" b="-17000"/>
           </a:stretch>
         </a:blipFill>
         <a:effectLst/>
@@ -4525,133 +4819,48 @@
         <p:cNvGrpSpPr/>
         <p:nvPr/>
       </p:nvGrpSpPr>
-      <p:grpSpPr/>
-      <p:sp>
-        <p:nvSpPr>
-          <p:cNvPr id="4" name="文本框 3"/>
-          <p:cNvSpPr txBox="1"/>
-          <p:nvPr/>
-        </p:nvSpPr>
-        <p:spPr>
-          <a:xfrm>
-            <a:off x="868045" y="702945"/>
-            <a:ext cx="4005580" cy="767715"/>
-          </a:xfrm>
-          <a:prstGeom prst="rect">
-            <a:avLst/>
-          </a:prstGeom>
-          <a:noFill/>
-        </p:spPr>
-        <p:txBody>
-          <a:bodyPr wrap="square" rtlCol="0">
-            <a:spAutoFit/>
-          </a:bodyPr>
-          <a:p>
-            <a:r>
-              <a:rPr lang="en-US" altLang="zh-CN" sz="4400"/>
-              <a:t>Software</a:t>
-            </a:r>
-            <a:endParaRPr lang="en-US" altLang="zh-CN" sz="3600"/>
-          </a:p>
-        </p:txBody>
-      </p:sp>
-      <p:sp>
-        <p:nvSpPr>
-          <p:cNvPr id="5" name="文本框 4"/>
-          <p:cNvSpPr txBox="1"/>
-          <p:nvPr/>
-        </p:nvSpPr>
-        <p:spPr>
-          <a:xfrm>
-            <a:off x="840105" y="1541780"/>
-            <a:ext cx="3041015" cy="949325"/>
-          </a:xfrm>
-          <a:prstGeom prst="rect">
-            <a:avLst/>
-          </a:prstGeom>
-          <a:noFill/>
-        </p:spPr>
-        <p:txBody>
-          <a:bodyPr wrap="square" rtlCol="0">
-            <a:spAutoFit/>
-          </a:bodyPr>
-          <a:p>
-            <a:r>
-              <a:rPr lang="en-US" sz="3200" dirty="0">
-                <a:sym typeface="+mn-ea"/>
-              </a:rPr>
-              <a:t>Ghost Inspector</a:t>
-            </a:r>
-            <a:endParaRPr lang="en-US" sz="3200" dirty="0">
-              <a:sym typeface="+mn-ea"/>
-            </a:endParaRPr>
-          </a:p>
-          <a:p>
-            <a:endParaRPr lang="en-US" altLang="en-US" sz="2400" dirty="0">
-              <a:sym typeface="+mn-ea"/>
-            </a:endParaRPr>
-          </a:p>
-        </p:txBody>
-      </p:sp>
+      <p:grpSpPr>
+        <a:xfrm>
+          <a:off x="0" y="0"/>
+          <a:ext cx="0" cy="0"/>
+          <a:chOff x="0" y="0"/>
+          <a:chExt cx="0" cy="0"/>
+        </a:xfrm>
+      </p:grpSpPr>
       <p:pic>
         <p:nvPicPr>
-          <p:cNvPr id="6" name="图片 5" descr="6QM~7U[_1C[L9~KC_3XYB@Q"/>
+          <p:cNvPr id="4" name="图片 3" descr="~4FFS29BU__P1%~)MNR7Q7S"/>
           <p:cNvPicPr>
             <a:picLocks noChangeAspect="1"/>
           </p:cNvPicPr>
           <p:nvPr/>
         </p:nvPicPr>
         <p:blipFill>
-          <a:blip r:embed="rId2"/>
+          <a:blip r:embed="rId3"/>
           <a:stretch>
             <a:fillRect/>
           </a:stretch>
         </p:blipFill>
         <p:spPr>
           <a:xfrm>
-            <a:off x="908685" y="2239645"/>
-            <a:ext cx="2057400" cy="485775"/>
+            <a:off x="2020414" y="1928525"/>
+            <a:ext cx="2193500" cy="778828"/>
           </a:xfrm>
           <a:prstGeom prst="rect">
             <a:avLst/>
           </a:prstGeom>
         </p:spPr>
       </p:pic>
-      <p:pic>
-        <p:nvPicPr>
-          <p:cNvPr id="8" name="图片 7" descr="cf4da75a-fc66-11e5-8818-2bee5cdf9a3f"/>
-          <p:cNvPicPr>
-            <a:picLocks noChangeAspect="1"/>
-          </p:cNvPicPr>
-          <p:nvPr/>
-        </p:nvPicPr>
-        <p:blipFill>
-          <a:blip r:embed="rId3"/>
-          <a:srcRect l="-536" t="10156" r="44786" b="560"/>
-          <a:stretch>
-            <a:fillRect/>
-          </a:stretch>
-        </p:blipFill>
-        <p:spPr>
-          <a:xfrm>
-            <a:off x="4727575" y="342900"/>
-            <a:ext cx="7136130" cy="5786120"/>
-          </a:xfrm>
-          <a:prstGeom prst="rect">
-            <a:avLst/>
-          </a:prstGeom>
-        </p:spPr>
-      </p:pic>
-      <p:sp>
-        <p:nvSpPr>
-          <p:cNvPr id="9" name="文本框 8"/>
+      <p:sp>
+        <p:nvSpPr>
+          <p:cNvPr id="5" name="文本框 4"/>
           <p:cNvSpPr txBox="1"/>
           <p:nvPr/>
         </p:nvSpPr>
         <p:spPr>
           <a:xfrm>
-            <a:off x="838835" y="3578225"/>
-            <a:ext cx="3446145" cy="2654935"/>
+            <a:off x="2020414" y="528047"/>
+            <a:ext cx="3271837" cy="923330"/>
           </a:xfrm>
           <a:prstGeom prst="rect">
             <a:avLst/>
@@ -4662,33 +4871,29 @@
           <a:bodyPr wrap="square" rtlCol="0">
             <a:spAutoFit/>
           </a:bodyPr>
-          <a:p>
-            <a:r>
-              <a:rPr lang="en-US" sz="2400" dirty="0" smtClean="0">
-                <a:sym typeface="+mn-ea"/>
-              </a:rPr>
-              <a:t>Ghost Inspector is an Automated testing software.  It catches website bugs and regressions before they cost you.</a:t>
-            </a:r>
-            <a:endParaRPr lang="en-US" sz="2400" dirty="0" smtClean="0">
-              <a:sym typeface="+mn-ea"/>
-            </a:endParaRPr>
-          </a:p>
-          <a:p>
-            <a:endParaRPr lang="en-US" altLang="en-US" sz="2400" dirty="0" smtClean="0">
-              <a:sym typeface="+mn-ea"/>
-            </a:endParaRPr>
-          </a:p>
-        </p:txBody>
-      </p:sp>
-      <p:sp>
-        <p:nvSpPr>
-          <p:cNvPr id="10" name="五角星 9"/>
+          <a:lstStyle/>
+          <a:p>
+            <a:r>
+              <a:rPr lang="en-US" altLang="zh-CN" sz="5400" dirty="0" err="1"/>
+              <a:t>g</a:t>
+            </a:r>
+            <a:r>
+              <a:rPr lang="en-US" altLang="zh-CN" sz="5400" dirty="0" err="1" smtClean="0"/>
+              <a:t>it</a:t>
+            </a:r>
+            <a:endParaRPr lang="zh-CN" altLang="en-US" sz="5400" dirty="0"/>
+          </a:p>
+        </p:txBody>
+      </p:sp>
+      <p:sp>
+        <p:nvSpPr>
+          <p:cNvPr id="6" name="五角星 5"/>
           <p:cNvSpPr/>
           <p:nvPr/>
         </p:nvSpPr>
         <p:spPr>
           <a:xfrm>
-            <a:off x="906145" y="2874010"/>
+            <a:off x="1934845" y="3145473"/>
             <a:ext cx="463550" cy="395605"/>
           </a:xfrm>
           <a:prstGeom prst="star5">
@@ -4718,6 +4923,7 @@
         </p:style>
         <p:txBody>
           <a:bodyPr rtlCol="0" anchor="ctr"/>
+          <a:lstStyle/>
           <a:p>
             <a:pPr algn="ctr"/>
             <a:endParaRPr lang="zh-CN" altLang="en-US"/>
@@ -4726,13 +4932,13 @@
       </p:sp>
       <p:sp>
         <p:nvSpPr>
-          <p:cNvPr id="11" name="五角星 10"/>
+          <p:cNvPr id="7" name="五角星 6"/>
           <p:cNvSpPr/>
           <p:nvPr/>
         </p:nvSpPr>
         <p:spPr>
           <a:xfrm>
-            <a:off x="3021330" y="2865755"/>
+            <a:off x="4050030" y="3137218"/>
             <a:ext cx="463550" cy="395605"/>
           </a:xfrm>
           <a:prstGeom prst="star5">
@@ -4762,6 +4968,7 @@
         </p:style>
         <p:txBody>
           <a:bodyPr rtlCol="0" anchor="ctr"/>
+          <a:lstStyle/>
           <a:p>
             <a:pPr algn="ctr"/>
             <a:endParaRPr lang="zh-CN" altLang="en-US"/>
@@ -4770,13 +4977,13 @@
       </p:sp>
       <p:sp>
         <p:nvSpPr>
-          <p:cNvPr id="12" name="五角星 11"/>
+          <p:cNvPr id="8" name="五角星 7"/>
           <p:cNvSpPr/>
           <p:nvPr/>
         </p:nvSpPr>
         <p:spPr>
           <a:xfrm>
-            <a:off x="1440815" y="2867025"/>
+            <a:off x="2469515" y="3138488"/>
             <a:ext cx="463550" cy="395605"/>
           </a:xfrm>
           <a:prstGeom prst="star5">
@@ -4806,6 +5013,7 @@
         </p:style>
         <p:txBody>
           <a:bodyPr rtlCol="0" anchor="ctr"/>
+          <a:lstStyle/>
           <a:p>
             <a:pPr algn="ctr"/>
             <a:endParaRPr lang="zh-CN" altLang="en-US"/>
@@ -4814,13 +5022,13 @@
       </p:sp>
       <p:sp>
         <p:nvSpPr>
-          <p:cNvPr id="13" name="五角星 12"/>
+          <p:cNvPr id="9" name="五角星 8"/>
           <p:cNvSpPr/>
           <p:nvPr/>
         </p:nvSpPr>
         <p:spPr>
           <a:xfrm>
-            <a:off x="1972310" y="2868295"/>
+            <a:off x="3001010" y="3139758"/>
             <a:ext cx="463550" cy="395605"/>
           </a:xfrm>
           <a:prstGeom prst="star5">
@@ -4850,6 +5058,7 @@
         </p:style>
         <p:txBody>
           <a:bodyPr rtlCol="0" anchor="ctr"/>
+          <a:lstStyle/>
           <a:p>
             <a:pPr algn="ctr"/>
             <a:endParaRPr lang="zh-CN" altLang="en-US"/>
@@ -4858,13 +5067,13 @@
       </p:sp>
       <p:sp>
         <p:nvSpPr>
-          <p:cNvPr id="14" name="五角星 13"/>
+          <p:cNvPr id="10" name="五角星 9"/>
           <p:cNvSpPr/>
           <p:nvPr/>
         </p:nvSpPr>
         <p:spPr>
           <a:xfrm>
-            <a:off x="2505075" y="2860675"/>
+            <a:off x="3533775" y="3132138"/>
             <a:ext cx="463550" cy="395605"/>
           </a:xfrm>
           <a:prstGeom prst="star5">
@@ -4894,17 +5103,98 @@
         </p:style>
         <p:txBody>
           <a:bodyPr rtlCol="0" anchor="ctr"/>
+          <a:lstStyle/>
           <a:p>
             <a:pPr algn="ctr"/>
             <a:endParaRPr lang="zh-CN" altLang="en-US"/>
           </a:p>
         </p:txBody>
       </p:sp>
+      <p:sp>
+        <p:nvSpPr>
+          <p:cNvPr id="11" name="文本框 10"/>
+          <p:cNvSpPr txBox="1"/>
+          <p:nvPr/>
+        </p:nvSpPr>
+        <p:spPr>
+          <a:xfrm>
+            <a:off x="1955006" y="3952528"/>
+            <a:ext cx="3157538" cy="523220"/>
+          </a:xfrm>
+          <a:prstGeom prst="rect">
+            <a:avLst/>
+          </a:prstGeom>
+          <a:noFill/>
+        </p:spPr>
+        <p:txBody>
+          <a:bodyPr wrap="square" rtlCol="0">
+            <a:spAutoFit/>
+          </a:bodyPr>
+          <a:lstStyle/>
+          <a:p>
+            <a:r>
+              <a:rPr lang="en-US" altLang="zh-CN" sz="2800" dirty="0" smtClean="0"/>
+              <a:t>Version control</a:t>
+            </a:r>
+            <a:endParaRPr lang="zh-CN" altLang="en-US" sz="2800" dirty="0"/>
+          </a:p>
+        </p:txBody>
+      </p:sp>
+      <p:sp>
+        <p:nvSpPr>
+          <p:cNvPr id="12" name="文本框 11"/>
+          <p:cNvSpPr txBox="1"/>
+          <p:nvPr/>
+        </p:nvSpPr>
+        <p:spPr>
+          <a:xfrm>
+            <a:off x="5494763" y="1719372"/>
+            <a:ext cx="4363613" cy="2246769"/>
+          </a:xfrm>
+          <a:prstGeom prst="rect">
+            <a:avLst/>
+          </a:prstGeom>
+          <a:noFill/>
+        </p:spPr>
+        <p:txBody>
+          <a:bodyPr wrap="square" rtlCol="0">
+            <a:spAutoFit/>
+          </a:bodyPr>
+          <a:lstStyle/>
+          <a:p>
+            <a:r>
+              <a:rPr lang="en-US" altLang="zh-CN" sz="2800" dirty="0" smtClean="0"/>
+              <a:t>Easy way to make sure that we are not  overwriting each other code. </a:t>
+            </a:r>
+            <a:r>
+              <a:rPr lang="en-US" altLang="zh-CN" sz="2800" dirty="0" err="1" smtClean="0"/>
+              <a:t>Git</a:t>
+            </a:r>
+            <a:r>
+              <a:rPr lang="en-US" altLang="zh-CN" sz="2800" dirty="0" smtClean="0"/>
+              <a:t> allows to working on the project remotely.</a:t>
+            </a:r>
+            <a:endParaRPr lang="zh-CN" altLang="en-US" sz="2800" dirty="0"/>
+          </a:p>
+        </p:txBody>
+      </p:sp>
     </p:spTree>
+    <p:extLst>
+      <p:ext uri="{BB962C8B-B14F-4D97-AF65-F5344CB8AC3E}">
+        <p14:creationId xmlns:p14="http://schemas.microsoft.com/office/powerpoint/2010/main" val="3101900462"/>
+      </p:ext>
+    </p:extLst>
   </p:cSld>
   <p:clrMapOvr>
     <a:masterClrMapping/>
   </p:clrMapOvr>
+  <p:timing>
+    <p:tnLst>
+      <p:par>
+        <p:cTn id="1" dur="indefinite" restart="never" nodeType="tmRoot"/>
+      </p:par>
+    </p:tnLst>
+  </p:timing>
 </p:sld>
 </file>
 
@@ -4914,7 +5204,7 @@
     <p:bg>
       <p:bgPr>
         <a:blipFill rotWithShape="1">
-          <a:blip r:embed="rId1"/>
+          <a:blip r:embed="rId2"/>
           <a:stretch>
             <a:fillRect/>
           </a:stretch>
@@ -4928,41 +5218,24 @@
         <p:cNvGrpSpPr/>
         <p:nvPr/>
       </p:nvGrpSpPr>
-      <p:grpSpPr/>
-      <p:pic>
-        <p:nvPicPr>
-          <p:cNvPr id="4" name="图片 3" descr="QQ图片20160424151035"/>
-          <p:cNvPicPr>
-            <a:picLocks noChangeAspect="1"/>
-          </p:cNvPicPr>
-          <p:nvPr/>
-        </p:nvPicPr>
-        <p:blipFill>
-          <a:blip r:embed="rId2"/>
-          <a:stretch>
-            <a:fillRect/>
-          </a:stretch>
-        </p:blipFill>
-        <p:spPr>
-          <a:xfrm>
-            <a:off x="4836160" y="207010"/>
-            <a:ext cx="6111240" cy="6395085"/>
-          </a:xfrm>
-          <a:prstGeom prst="rect">
-            <a:avLst/>
-          </a:prstGeom>
-        </p:spPr>
-      </p:pic>
-      <p:sp>
-        <p:nvSpPr>
-          <p:cNvPr id="5" name="文本框 4"/>
+      <p:grpSpPr>
+        <a:xfrm>
+          <a:off x="0" y="0"/>
+          <a:ext cx="0" cy="0"/>
+          <a:chOff x="0" y="0"/>
+          <a:chExt cx="0" cy="0"/>
+        </a:xfrm>
+      </p:grpSpPr>
+      <p:sp>
+        <p:nvSpPr>
+          <p:cNvPr id="4" name="文本框 3"/>
           <p:cNvSpPr txBox="1"/>
           <p:nvPr/>
         </p:nvSpPr>
         <p:spPr>
           <a:xfrm>
-            <a:off x="1429385" y="942975"/>
-            <a:ext cx="3041015" cy="1133475"/>
+            <a:off x="868045" y="702945"/>
+            <a:ext cx="4005580" cy="767715"/>
           </a:xfrm>
           <a:prstGeom prst="rect">
             <a:avLst/>
@@ -4973,16 +5246,44 @@
           <a:bodyPr wrap="square" rtlCol="0">
             <a:spAutoFit/>
           </a:bodyPr>
-          <a:p>
-            <a:r>
-              <a:rPr lang="en-US" sz="4400" dirty="0">
+          <a:lstStyle/>
+          <a:p>
+            <a:r>
+              <a:rPr lang="en-US" altLang="zh-CN" sz="4400"/>
+              <a:t>Software</a:t>
+            </a:r>
+            <a:endParaRPr lang="en-US" altLang="zh-CN" sz="3600"/>
+          </a:p>
+        </p:txBody>
+      </p:sp>
+      <p:sp>
+        <p:nvSpPr>
+          <p:cNvPr id="5" name="文本框 4"/>
+          <p:cNvSpPr txBox="1"/>
+          <p:nvPr/>
+        </p:nvSpPr>
+        <p:spPr>
+          <a:xfrm>
+            <a:off x="840105" y="1541780"/>
+            <a:ext cx="3041015" cy="949325"/>
+          </a:xfrm>
+          <a:prstGeom prst="rect">
+            <a:avLst/>
+          </a:prstGeom>
+          <a:noFill/>
+        </p:spPr>
+        <p:txBody>
+          <a:bodyPr wrap="square" rtlCol="0">
+            <a:spAutoFit/>
+          </a:bodyPr>
+          <a:lstStyle/>
+          <a:p>
+            <a:r>
+              <a:rPr lang="en-US" sz="3200" dirty="0">
                 <a:sym typeface="+mn-ea"/>
               </a:rPr>
-              <a:t>ngrok</a:t>
-            </a:r>
-            <a:endParaRPr lang="en-US" sz="4400" dirty="0">
-              <a:sym typeface="+mn-ea"/>
-            </a:endParaRPr>
+              <a:t>Ghost Inspector</a:t>
+            </a:r>
           </a:p>
           <a:p>
             <a:endParaRPr lang="en-US" altLang="en-US" sz="2400" dirty="0">
@@ -4993,7 +5294,7 @@
       </p:sp>
       <p:pic>
         <p:nvPicPr>
-          <p:cNvPr id="6" name="图片 5"/>
+          <p:cNvPr id="6" name="图片 5" descr="6QM~7U[_1C[L9~KC_3XYB@Q"/>
           <p:cNvPicPr>
             <a:picLocks noChangeAspect="1"/>
           </p:cNvPicPr>
@@ -5007,23 +5308,84 @@
         </p:blipFill>
         <p:spPr>
           <a:xfrm>
-            <a:off x="1474470" y="1751330"/>
-            <a:ext cx="1414780" cy="485140"/>
+            <a:off x="908685" y="2239645"/>
+            <a:ext cx="2057400" cy="485775"/>
           </a:xfrm>
           <a:prstGeom prst="rect">
             <a:avLst/>
           </a:prstGeom>
         </p:spPr>
       </p:pic>
-      <p:sp>
-        <p:nvSpPr>
-          <p:cNvPr id="11" name="五角星 10"/>
+      <p:pic>
+        <p:nvPicPr>
+          <p:cNvPr id="8" name="图片 7" descr="cf4da75a-fc66-11e5-8818-2bee5cdf9a3f"/>
+          <p:cNvPicPr>
+            <a:picLocks noChangeAspect="1"/>
+          </p:cNvPicPr>
+          <p:nvPr/>
+        </p:nvPicPr>
+        <p:blipFill>
+          <a:blip r:embed="rId4"/>
+          <a:srcRect l="-536" t="10156" r="44786" b="560"/>
+          <a:stretch>
+            <a:fillRect/>
+          </a:stretch>
+        </p:blipFill>
+        <p:spPr>
+          <a:xfrm>
+            <a:off x="4727575" y="342900"/>
+            <a:ext cx="7136130" cy="5786120"/>
+          </a:xfrm>
+          <a:prstGeom prst="rect">
+            <a:avLst/>
+          </a:prstGeom>
+        </p:spPr>
+      </p:pic>
+      <p:sp>
+        <p:nvSpPr>
+          <p:cNvPr id="9" name="文本框 8"/>
+          <p:cNvSpPr txBox="1"/>
+          <p:nvPr/>
+        </p:nvSpPr>
+        <p:spPr>
+          <a:xfrm>
+            <a:off x="838835" y="3578225"/>
+            <a:ext cx="3446145" cy="2654935"/>
+          </a:xfrm>
+          <a:prstGeom prst="rect">
+            <a:avLst/>
+          </a:prstGeom>
+          <a:noFill/>
+        </p:spPr>
+        <p:txBody>
+          <a:bodyPr wrap="square" rtlCol="0">
+            <a:spAutoFit/>
+          </a:bodyPr>
+          <a:lstStyle/>
+          <a:p>
+            <a:r>
+              <a:rPr lang="en-US" sz="2400" dirty="0" smtClean="0">
+                <a:sym typeface="+mn-ea"/>
+              </a:rPr>
+              <a:t>Ghost Inspector is an Automated testing software.  It catches website bugs and regressions before they cost you.</a:t>
+            </a:r>
+          </a:p>
+          <a:p>
+            <a:endParaRPr lang="en-US" altLang="en-US" sz="2400" dirty="0" smtClean="0">
+              <a:sym typeface="+mn-ea"/>
+            </a:endParaRPr>
+          </a:p>
+        </p:txBody>
+      </p:sp>
+      <p:sp>
+        <p:nvSpPr>
+          <p:cNvPr id="10" name="五角星 9"/>
           <p:cNvSpPr/>
           <p:nvPr/>
         </p:nvSpPr>
         <p:spPr>
           <a:xfrm>
-            <a:off x="2839085" y="2440940"/>
+            <a:off x="906145" y="2874010"/>
             <a:ext cx="463550" cy="395605"/>
           </a:xfrm>
           <a:prstGeom prst="star5">
@@ -5053,6 +5415,7 @@
         </p:style>
         <p:txBody>
           <a:bodyPr rtlCol="0" anchor="ctr"/>
+          <a:lstStyle/>
           <a:p>
             <a:pPr algn="ctr"/>
             <a:endParaRPr lang="zh-CN" altLang="en-US"/>
@@ -5061,13 +5424,13 @@
       </p:sp>
       <p:sp>
         <p:nvSpPr>
-          <p:cNvPr id="12" name="五角星 11"/>
+          <p:cNvPr id="11" name="五角星 10"/>
           <p:cNvSpPr/>
           <p:nvPr/>
         </p:nvSpPr>
         <p:spPr>
           <a:xfrm>
-            <a:off x="1258570" y="2442210"/>
+            <a:off x="3021330" y="2865755"/>
             <a:ext cx="463550" cy="395605"/>
           </a:xfrm>
           <a:prstGeom prst="star5">
@@ -5097,6 +5460,7 @@
         </p:style>
         <p:txBody>
           <a:bodyPr rtlCol="0" anchor="ctr"/>
+          <a:lstStyle/>
           <a:p>
             <a:pPr algn="ctr"/>
             <a:endParaRPr lang="zh-CN" altLang="en-US"/>
@@ -5105,13 +5469,13 @@
       </p:sp>
       <p:sp>
         <p:nvSpPr>
-          <p:cNvPr id="13" name="五角星 12"/>
+          <p:cNvPr id="12" name="五角星 11"/>
           <p:cNvSpPr/>
           <p:nvPr/>
         </p:nvSpPr>
         <p:spPr>
           <a:xfrm>
-            <a:off x="1790065" y="2443480"/>
+            <a:off x="1440815" y="2867025"/>
             <a:ext cx="463550" cy="395605"/>
           </a:xfrm>
           <a:prstGeom prst="star5">
@@ -5141,6 +5505,7 @@
         </p:style>
         <p:txBody>
           <a:bodyPr rtlCol="0" anchor="ctr"/>
+          <a:lstStyle/>
           <a:p>
             <a:pPr algn="ctr"/>
             <a:endParaRPr lang="zh-CN" altLang="en-US"/>
@@ -5149,13 +5514,13 @@
       </p:sp>
       <p:sp>
         <p:nvSpPr>
-          <p:cNvPr id="14" name="五角星 13"/>
+          <p:cNvPr id="13" name="五角星 12"/>
           <p:cNvSpPr/>
           <p:nvPr/>
         </p:nvSpPr>
         <p:spPr>
           <a:xfrm>
-            <a:off x="2322830" y="2435860"/>
+            <a:off x="1972310" y="2868295"/>
             <a:ext cx="463550" cy="395605"/>
           </a:xfrm>
           <a:prstGeom prst="star5">
@@ -5185,6 +5550,7 @@
         </p:style>
         <p:txBody>
           <a:bodyPr rtlCol="0" anchor="ctr"/>
+          <a:lstStyle/>
           <a:p>
             <a:pPr algn="ctr"/>
             <a:endParaRPr lang="zh-CN" altLang="en-US"/>
@@ -5193,153 +5559,13 @@
       </p:sp>
       <p:sp>
         <p:nvSpPr>
-          <p:cNvPr id="7" name="文本框 6"/>
-          <p:cNvSpPr txBox="1"/>
-          <p:nvPr/>
-        </p:nvSpPr>
-        <p:spPr>
-          <a:xfrm>
-            <a:off x="927100" y="3114675"/>
-            <a:ext cx="3301365" cy="1191895"/>
-          </a:xfrm>
-          <a:prstGeom prst="rect">
-            <a:avLst/>
-          </a:prstGeom>
-          <a:noFill/>
-        </p:spPr>
-        <p:txBody>
-          <a:bodyPr wrap="square" rtlCol="0">
-            <a:spAutoFit/>
-          </a:bodyPr>
-          <a:p>
-            <a:r>
-              <a:rPr lang="en-US" altLang="zh-CN" sz="2400"/>
-              <a:t>ngrok is a tunnel tool for automated testing local website.</a:t>
-            </a:r>
-            <a:endParaRPr lang="en-US" altLang="zh-CN" sz="2400"/>
-          </a:p>
-        </p:txBody>
-      </p:sp>
-      <p:sp>
-        <p:nvSpPr>
-          <p:cNvPr id="8" name="文本框 7"/>
-          <p:cNvSpPr txBox="1"/>
-          <p:nvPr/>
-        </p:nvSpPr>
-        <p:spPr>
-          <a:xfrm>
-            <a:off x="925830" y="4456430"/>
-            <a:ext cx="3416935" cy="1557655"/>
-          </a:xfrm>
-          <a:prstGeom prst="rect">
-            <a:avLst/>
-          </a:prstGeom>
-          <a:noFill/>
-        </p:spPr>
-        <p:txBody>
-          <a:bodyPr wrap="square" rtlCol="0">
-            <a:spAutoFit/>
-          </a:bodyPr>
-          <a:p>
-            <a:r>
-              <a:rPr lang="en-US" altLang="zh-CN" sz="2400"/>
-              <a:t>It's free but not visual. Need to use terminal commands to set up the server.</a:t>
-            </a:r>
-            <a:endParaRPr lang="en-US" altLang="zh-CN" sz="2400"/>
-          </a:p>
-        </p:txBody>
-      </p:sp>
-    </p:spTree>
-  </p:cSld>
-  <p:clrMapOvr>
-    <a:masterClrMapping/>
-  </p:clrMapOvr>
-</p:sld>
-</file>
-
-<file path=ppt/slides/slide5.xml><?xml version="1.0" encoding="utf-8"?>
-<p:sld xmlns:a="http://schemas.openxmlformats.org/drawingml/2006/main" xmlns:r="http://schemas.openxmlformats.org/officeDocument/2006/relationships" xmlns:p="http://schemas.openxmlformats.org/presentationml/2006/main">
-  <p:cSld>
-    <p:bg>
-      <p:bgPr>
-        <a:blipFill rotWithShape="1">
-          <a:blip r:embed="rId1"/>
-          <a:stretch>
-            <a:fillRect/>
-          </a:stretch>
-        </a:blipFill>
-        <a:effectLst/>
-      </p:bgPr>
-    </p:bg>
-    <p:spTree>
-      <p:nvGrpSpPr>
-        <p:cNvPr id="1" name=""/>
-        <p:cNvGrpSpPr/>
-        <p:nvPr/>
-      </p:nvGrpSpPr>
-      <p:grpSpPr/>
-      <p:sp>
-        <p:nvSpPr>
-          <p:cNvPr id="2" name="文本框 1"/>
-          <p:cNvSpPr txBox="1"/>
-          <p:nvPr/>
-        </p:nvSpPr>
-        <p:spPr>
-          <a:xfrm>
-            <a:off x="1621790" y="1106805"/>
-            <a:ext cx="4257040" cy="767715"/>
-          </a:xfrm>
-          <a:prstGeom prst="rect">
-            <a:avLst/>
-          </a:prstGeom>
-          <a:noFill/>
-        </p:spPr>
-        <p:txBody>
-          <a:bodyPr wrap="square" rtlCol="0">
-            <a:spAutoFit/>
-          </a:bodyPr>
-          <a:p>
-            <a:r>
-              <a:rPr lang="en-US" altLang="zh-CN" sz="4400"/>
-              <a:t>Apache</a:t>
-            </a:r>
-            <a:endParaRPr lang="en-US" altLang="zh-CN" sz="4400"/>
-          </a:p>
-        </p:txBody>
-      </p:sp>
-      <p:pic>
-        <p:nvPicPr>
-          <p:cNvPr id="12" name="图片 11" descr="GEZZ6S]PUKA6{HYDTO01EQU"/>
-          <p:cNvPicPr>
-            <a:picLocks noChangeAspect="1"/>
-          </p:cNvPicPr>
-          <p:nvPr/>
-        </p:nvPicPr>
-        <p:blipFill>
-          <a:blip r:embed="rId2"/>
-          <a:stretch>
-            <a:fillRect/>
-          </a:stretch>
-        </p:blipFill>
-        <p:spPr>
-          <a:xfrm>
-            <a:off x="1145540" y="2248535"/>
-            <a:ext cx="3116580" cy="890270"/>
-          </a:xfrm>
-          <a:prstGeom prst="rect">
-            <a:avLst/>
-          </a:prstGeom>
-        </p:spPr>
-      </p:pic>
-      <p:sp>
-        <p:nvSpPr>
-          <p:cNvPr id="10" name="五角星 9"/>
+          <p:cNvPr id="14" name="五角星 13"/>
           <p:cNvSpPr/>
           <p:nvPr/>
         </p:nvSpPr>
         <p:spPr>
           <a:xfrm>
-            <a:off x="1447800" y="3627755"/>
+            <a:off x="2505075" y="2860675"/>
             <a:ext cx="463550" cy="395605"/>
           </a:xfrm>
           <a:prstGeom prst="star5">
@@ -5369,12 +5595,140 @@
         </p:style>
         <p:txBody>
           <a:bodyPr rtlCol="0" anchor="ctr"/>
+          <a:lstStyle/>
           <a:p>
             <a:pPr algn="ctr"/>
             <a:endParaRPr lang="zh-CN" altLang="en-US"/>
           </a:p>
         </p:txBody>
       </p:sp>
+    </p:spTree>
+  </p:cSld>
+  <p:clrMapOvr>
+    <a:masterClrMapping/>
+  </p:clrMapOvr>
+  <p:timing>
+    <p:tnLst>
+      <p:par>
+        <p:cTn id="1" dur="indefinite" restart="never" nodeType="tmRoot"/>
+      </p:par>
+    </p:tnLst>
+  </p:timing>
+</p:sld>
+</file>
+
+<file path=ppt/slides/slide5.xml><?xml version="1.0" encoding="utf-8"?>
+<p:sld xmlns:a="http://schemas.openxmlformats.org/drawingml/2006/main" xmlns:r="http://schemas.openxmlformats.org/officeDocument/2006/relationships" xmlns:p="http://schemas.openxmlformats.org/presentationml/2006/main">
+  <p:cSld>
+    <p:bg>
+      <p:bgPr>
+        <a:blipFill rotWithShape="1">
+          <a:blip r:embed="rId2"/>
+          <a:stretch>
+            <a:fillRect/>
+          </a:stretch>
+        </a:blipFill>
+        <a:effectLst/>
+      </p:bgPr>
+    </p:bg>
+    <p:spTree>
+      <p:nvGrpSpPr>
+        <p:cNvPr id="1" name=""/>
+        <p:cNvGrpSpPr/>
+        <p:nvPr/>
+      </p:nvGrpSpPr>
+      <p:grpSpPr>
+        <a:xfrm>
+          <a:off x="0" y="0"/>
+          <a:ext cx="0" cy="0"/>
+          <a:chOff x="0" y="0"/>
+          <a:chExt cx="0" cy="0"/>
+        </a:xfrm>
+      </p:grpSpPr>
+      <p:pic>
+        <p:nvPicPr>
+          <p:cNvPr id="4" name="图片 3" descr="QQ图片20160424151035"/>
+          <p:cNvPicPr>
+            <a:picLocks noChangeAspect="1"/>
+          </p:cNvPicPr>
+          <p:nvPr/>
+        </p:nvPicPr>
+        <p:blipFill>
+          <a:blip r:embed="rId3"/>
+          <a:stretch>
+            <a:fillRect/>
+          </a:stretch>
+        </p:blipFill>
+        <p:spPr>
+          <a:xfrm>
+            <a:off x="4836160" y="207010"/>
+            <a:ext cx="6111240" cy="6395085"/>
+          </a:xfrm>
+          <a:prstGeom prst="rect">
+            <a:avLst/>
+          </a:prstGeom>
+        </p:spPr>
+      </p:pic>
+      <p:sp>
+        <p:nvSpPr>
+          <p:cNvPr id="5" name="文本框 4"/>
+          <p:cNvSpPr txBox="1"/>
+          <p:nvPr/>
+        </p:nvSpPr>
+        <p:spPr>
+          <a:xfrm>
+            <a:off x="1429385" y="942975"/>
+            <a:ext cx="3041015" cy="1133475"/>
+          </a:xfrm>
+          <a:prstGeom prst="rect">
+            <a:avLst/>
+          </a:prstGeom>
+          <a:noFill/>
+        </p:spPr>
+        <p:txBody>
+          <a:bodyPr wrap="square" rtlCol="0">
+            <a:spAutoFit/>
+          </a:bodyPr>
+          <a:lstStyle/>
+          <a:p>
+            <a:r>
+              <a:rPr lang="en-US" sz="4400" dirty="0">
+                <a:sym typeface="+mn-ea"/>
+              </a:rPr>
+              <a:t>ngrok</a:t>
+            </a:r>
+          </a:p>
+          <a:p>
+            <a:endParaRPr lang="en-US" altLang="en-US" sz="2400" dirty="0">
+              <a:sym typeface="+mn-ea"/>
+            </a:endParaRPr>
+          </a:p>
+        </p:txBody>
+      </p:sp>
+      <p:pic>
+        <p:nvPicPr>
+          <p:cNvPr id="6" name="图片 5"/>
+          <p:cNvPicPr>
+            <a:picLocks noChangeAspect="1"/>
+          </p:cNvPicPr>
+          <p:nvPr/>
+        </p:nvPicPr>
+        <p:blipFill>
+          <a:blip r:embed="rId4"/>
+          <a:stretch>
+            <a:fillRect/>
+          </a:stretch>
+        </p:blipFill>
+        <p:spPr>
+          <a:xfrm>
+            <a:off x="1474470" y="1751330"/>
+            <a:ext cx="1414780" cy="485140"/>
+          </a:xfrm>
+          <a:prstGeom prst="rect">
+            <a:avLst/>
+          </a:prstGeom>
+        </p:spPr>
+      </p:pic>
       <p:sp>
         <p:nvSpPr>
           <p:cNvPr id="11" name="五角星 10"/>
@@ -5383,7 +5737,7 @@
         </p:nvSpPr>
         <p:spPr>
           <a:xfrm>
-            <a:off x="3562985" y="3619500"/>
+            <a:off x="2839085" y="2440940"/>
             <a:ext cx="463550" cy="395605"/>
           </a:xfrm>
           <a:prstGeom prst="star5">
@@ -5413,6 +5767,7 @@
         </p:style>
         <p:txBody>
           <a:bodyPr rtlCol="0" anchor="ctr"/>
+          <a:lstStyle/>
           <a:p>
             <a:pPr algn="ctr"/>
             <a:endParaRPr lang="zh-CN" altLang="en-US"/>
@@ -5421,13 +5776,13 @@
       </p:sp>
       <p:sp>
         <p:nvSpPr>
-          <p:cNvPr id="3" name="五角星 2"/>
+          <p:cNvPr id="12" name="五角星 11"/>
           <p:cNvSpPr/>
           <p:nvPr/>
         </p:nvSpPr>
         <p:spPr>
           <a:xfrm>
-            <a:off x="1982470" y="3620770"/>
+            <a:off x="1258570" y="2442210"/>
             <a:ext cx="463550" cy="395605"/>
           </a:xfrm>
           <a:prstGeom prst="star5">
@@ -5457,6 +5812,7 @@
         </p:style>
         <p:txBody>
           <a:bodyPr rtlCol="0" anchor="ctr"/>
+          <a:lstStyle/>
           <a:p>
             <a:pPr algn="ctr"/>
             <a:endParaRPr lang="zh-CN" altLang="en-US"/>
@@ -5471,7 +5827,7 @@
         </p:nvSpPr>
         <p:spPr>
           <a:xfrm>
-            <a:off x="2513965" y="3622040"/>
+            <a:off x="1790065" y="2443480"/>
             <a:ext cx="463550" cy="395605"/>
           </a:xfrm>
           <a:prstGeom prst="star5">
@@ -5501,6 +5857,7 @@
         </p:style>
         <p:txBody>
           <a:bodyPr rtlCol="0" anchor="ctr"/>
+          <a:lstStyle/>
           <a:p>
             <a:pPr algn="ctr"/>
             <a:endParaRPr lang="zh-CN" altLang="en-US"/>
@@ -5515,7 +5872,7 @@
         </p:nvSpPr>
         <p:spPr>
           <a:xfrm>
-            <a:off x="3046730" y="3614420"/>
+            <a:off x="2322830" y="2435860"/>
             <a:ext cx="463550" cy="395605"/>
           </a:xfrm>
           <a:prstGeom prst="star5">
@@ -5545,6 +5902,7 @@
         </p:style>
         <p:txBody>
           <a:bodyPr rtlCol="0" anchor="ctr"/>
+          <a:lstStyle/>
           <a:p>
             <a:pPr algn="ctr"/>
             <a:endParaRPr lang="zh-CN" altLang="en-US"/>
@@ -5553,14 +5911,14 @@
       </p:sp>
       <p:sp>
         <p:nvSpPr>
-          <p:cNvPr id="5" name="文本框 4"/>
+          <p:cNvPr id="7" name="文本框 6"/>
           <p:cNvSpPr txBox="1"/>
           <p:nvPr/>
         </p:nvSpPr>
         <p:spPr>
           <a:xfrm>
-            <a:off x="5356860" y="2072640"/>
-            <a:ext cx="5243195" cy="1557655"/>
+            <a:off x="927100" y="3114675"/>
+            <a:ext cx="3301365" cy="1191895"/>
           </a:xfrm>
           <a:prstGeom prst="rect">
             <a:avLst/>
@@ -5571,13 +5929,41 @@
           <a:bodyPr wrap="square" rtlCol="0">
             <a:spAutoFit/>
           </a:bodyPr>
-          <a:p>
-            <a:pPr algn="l"/>
-            <a:r>
-              <a:rPr lang="zh-CN" altLang="en-US" sz="2400"/>
-              <a:t>It allowed to do everything on local host from HTML to PHP pages, we were able to also connect it to phpMyAdmin which made it a really great tool to use.</a:t>
-            </a:r>
-            <a:endParaRPr lang="zh-CN" altLang="en-US" sz="2400"/>
+          <a:lstStyle/>
+          <a:p>
+            <a:r>
+              <a:rPr lang="en-US" altLang="zh-CN" sz="2400"/>
+              <a:t>ngrok is a tunnel tool for automated testing local website.</a:t>
+            </a:r>
+          </a:p>
+        </p:txBody>
+      </p:sp>
+      <p:sp>
+        <p:nvSpPr>
+          <p:cNvPr id="8" name="文本框 7"/>
+          <p:cNvSpPr txBox="1"/>
+          <p:nvPr/>
+        </p:nvSpPr>
+        <p:spPr>
+          <a:xfrm>
+            <a:off x="925830" y="4456430"/>
+            <a:ext cx="3416935" cy="1557655"/>
+          </a:xfrm>
+          <a:prstGeom prst="rect">
+            <a:avLst/>
+          </a:prstGeom>
+          <a:noFill/>
+        </p:spPr>
+        <p:txBody>
+          <a:bodyPr wrap="square" rtlCol="0">
+            <a:spAutoFit/>
+          </a:bodyPr>
+          <a:lstStyle/>
+          <a:p>
+            <a:r>
+              <a:rPr lang="en-US" altLang="zh-CN" sz="2400"/>
+              <a:t>It's free but not visual. Need to use terminal commands to set up the server.</a:t>
+            </a:r>
           </a:p>
         </p:txBody>
       </p:sp>
@@ -5586,6 +5972,13 @@
   <p:clrMapOvr>
     <a:masterClrMapping/>
   </p:clrMapOvr>
+  <p:timing>
+    <p:tnLst>
+      <p:par>
+        <p:cTn id="1" dur="indefinite" restart="never" nodeType="tmRoot"/>
+      </p:par>
+    </p:tnLst>
+  </p:timing>
 </p:sld>
 </file>
 
@@ -5595,7 +5988,7 @@
     <p:bg>
       <p:bgPr>
         <a:blipFill rotWithShape="1">
-          <a:blip r:embed="rId1"/>
+          <a:blip r:embed="rId2"/>
           <a:stretch>
             <a:fillRect/>
           </a:stretch>
@@ -5609,25 +6002,61 @@
         <p:cNvGrpSpPr/>
         <p:nvPr/>
       </p:nvGrpSpPr>
-      <p:grpSpPr/>
+      <p:grpSpPr>
+        <a:xfrm>
+          <a:off x="0" y="0"/>
+          <a:ext cx="0" cy="0"/>
+          <a:chOff x="0" y="0"/>
+          <a:chExt cx="0" cy="0"/>
+        </a:xfrm>
+      </p:grpSpPr>
+      <p:sp>
+        <p:nvSpPr>
+          <p:cNvPr id="2" name="文本框 1"/>
+          <p:cNvSpPr txBox="1"/>
+          <p:nvPr/>
+        </p:nvSpPr>
+        <p:spPr>
+          <a:xfrm>
+            <a:off x="1621790" y="1106805"/>
+            <a:ext cx="4257040" cy="767715"/>
+          </a:xfrm>
+          <a:prstGeom prst="rect">
+            <a:avLst/>
+          </a:prstGeom>
+          <a:noFill/>
+        </p:spPr>
+        <p:txBody>
+          <a:bodyPr wrap="square" rtlCol="0">
+            <a:spAutoFit/>
+          </a:bodyPr>
+          <a:lstStyle/>
+          <a:p>
+            <a:r>
+              <a:rPr lang="en-US" altLang="zh-CN" sz="4400"/>
+              <a:t>Apache</a:t>
+            </a:r>
+          </a:p>
+        </p:txBody>
+      </p:sp>
       <p:pic>
         <p:nvPicPr>
-          <p:cNvPr id="13" name="图片 12" descr="$Q_9Y$%L3WCMLQ[Y23YXHK7"/>
+          <p:cNvPr id="12" name="图片 11" descr="GEZZ6S]PUKA6{HYDTO01EQU"/>
           <p:cNvPicPr>
             <a:picLocks noChangeAspect="1"/>
           </p:cNvPicPr>
           <p:nvPr/>
         </p:nvPicPr>
         <p:blipFill>
-          <a:blip r:embed="rId2"/>
+          <a:blip r:embed="rId3"/>
           <a:stretch>
             <a:fillRect/>
           </a:stretch>
         </p:blipFill>
         <p:spPr>
           <a:xfrm>
-            <a:off x="2205355" y="2120900"/>
-            <a:ext cx="2353310" cy="763905"/>
+            <a:off x="1145540" y="2248535"/>
+            <a:ext cx="3116580" cy="890270"/>
           </a:xfrm>
           <a:prstGeom prst="rect">
             <a:avLst/>
@@ -5636,42 +6065,13 @@
       </p:pic>
       <p:sp>
         <p:nvSpPr>
-          <p:cNvPr id="4" name="文本框 3"/>
-          <p:cNvSpPr txBox="1"/>
-          <p:nvPr/>
-        </p:nvSpPr>
-        <p:spPr>
-          <a:xfrm>
-            <a:off x="1708150" y="1193800"/>
-            <a:ext cx="3996055" cy="767715"/>
-          </a:xfrm>
-          <a:prstGeom prst="rect">
-            <a:avLst/>
-          </a:prstGeom>
-          <a:noFill/>
-        </p:spPr>
-        <p:txBody>
-          <a:bodyPr wrap="square" rtlCol="0">
-            <a:spAutoFit/>
-          </a:bodyPr>
-          <a:p>
-            <a:r>
-              <a:rPr lang="en-US" altLang="zh-CN" sz="4400"/>
-              <a:t>phpMyAdmin</a:t>
-            </a:r>
-            <a:endParaRPr lang="en-US" altLang="zh-CN" sz="4400"/>
-          </a:p>
-        </p:txBody>
-      </p:sp>
-      <p:sp>
-        <p:nvSpPr>
           <p:cNvPr id="10" name="五角星 9"/>
           <p:cNvSpPr/>
           <p:nvPr/>
         </p:nvSpPr>
         <p:spPr>
           <a:xfrm>
-            <a:off x="2084705" y="3163570"/>
+            <a:off x="1447800" y="3627755"/>
             <a:ext cx="463550" cy="395605"/>
           </a:xfrm>
           <a:prstGeom prst="star5">
@@ -5701,6 +6101,7 @@
         </p:style>
         <p:txBody>
           <a:bodyPr rtlCol="0" anchor="ctr"/>
+          <a:lstStyle/>
           <a:p>
             <a:pPr algn="ctr"/>
             <a:endParaRPr lang="zh-CN" altLang="en-US"/>
@@ -5715,7 +6116,7 @@
         </p:nvSpPr>
         <p:spPr>
           <a:xfrm>
-            <a:off x="4199890" y="3155315"/>
+            <a:off x="3562985" y="3619500"/>
             <a:ext cx="463550" cy="395605"/>
           </a:xfrm>
           <a:prstGeom prst="star5">
@@ -5745,6 +6146,7 @@
         </p:style>
         <p:txBody>
           <a:bodyPr rtlCol="0" anchor="ctr"/>
+          <a:lstStyle/>
           <a:p>
             <a:pPr algn="ctr"/>
             <a:endParaRPr lang="zh-CN" altLang="en-US"/>
@@ -5753,13 +6155,13 @@
       </p:sp>
       <p:sp>
         <p:nvSpPr>
-          <p:cNvPr id="12" name="五角星 11"/>
+          <p:cNvPr id="3" name="五角星 2"/>
           <p:cNvSpPr/>
           <p:nvPr/>
         </p:nvSpPr>
         <p:spPr>
           <a:xfrm>
-            <a:off x="2619375" y="3156585"/>
+            <a:off x="1982470" y="3620770"/>
             <a:ext cx="463550" cy="395605"/>
           </a:xfrm>
           <a:prstGeom prst="star5">
@@ -5789,6 +6191,7 @@
         </p:style>
         <p:txBody>
           <a:bodyPr rtlCol="0" anchor="ctr"/>
+          <a:lstStyle/>
           <a:p>
             <a:pPr algn="ctr"/>
             <a:endParaRPr lang="zh-CN" altLang="en-US"/>
@@ -5797,13 +6200,13 @@
       </p:sp>
       <p:sp>
         <p:nvSpPr>
-          <p:cNvPr id="5" name="五角星 4"/>
+          <p:cNvPr id="13" name="五角星 12"/>
           <p:cNvSpPr/>
           <p:nvPr/>
         </p:nvSpPr>
         <p:spPr>
           <a:xfrm>
-            <a:off x="3150870" y="3157855"/>
+            <a:off x="2513965" y="3622040"/>
             <a:ext cx="463550" cy="395605"/>
           </a:xfrm>
           <a:prstGeom prst="star5">
@@ -5833,6 +6236,7 @@
         </p:style>
         <p:txBody>
           <a:bodyPr rtlCol="0" anchor="ctr"/>
+          <a:lstStyle/>
           <a:p>
             <a:pPr algn="ctr"/>
             <a:endParaRPr lang="zh-CN" altLang="en-US"/>
@@ -5847,7 +6251,7 @@
         </p:nvSpPr>
         <p:spPr>
           <a:xfrm>
-            <a:off x="3683635" y="3150235"/>
+            <a:off x="3046730" y="3614420"/>
             <a:ext cx="463550" cy="395605"/>
           </a:xfrm>
           <a:prstGeom prst="star5">
@@ -5877,6 +6281,7 @@
         </p:style>
         <p:txBody>
           <a:bodyPr rtlCol="0" anchor="ctr"/>
+          <a:lstStyle/>
           <a:p>
             <a:pPr algn="ctr"/>
             <a:endParaRPr lang="zh-CN" altLang="en-US"/>
@@ -5885,14 +6290,14 @@
       </p:sp>
       <p:sp>
         <p:nvSpPr>
-          <p:cNvPr id="6" name="文本框 5"/>
+          <p:cNvPr id="5" name="文本框 4"/>
           <p:cNvSpPr txBox="1"/>
           <p:nvPr/>
         </p:nvSpPr>
         <p:spPr>
           <a:xfrm>
-            <a:off x="2083435" y="3742055"/>
-            <a:ext cx="4508500" cy="460375"/>
+            <a:off x="5356860" y="2072640"/>
+            <a:ext cx="5243195" cy="1557655"/>
           </a:xfrm>
           <a:prstGeom prst="rect">
             <a:avLst/>
@@ -5903,51 +6308,13 @@
           <a:bodyPr wrap="square" rtlCol="0">
             <a:spAutoFit/>
           </a:bodyPr>
-          <a:p>
-            <a:r>
-              <a:rPr lang="en-US" altLang="zh-CN" sz="2400"/>
-              <a:t>Database connection</a:t>
-            </a:r>
-            <a:endParaRPr lang="en-US" altLang="zh-CN" sz="2400"/>
-          </a:p>
-        </p:txBody>
-      </p:sp>
-      <p:sp>
-        <p:nvSpPr>
-          <p:cNvPr id="7" name="文本框 6"/>
-          <p:cNvSpPr txBox="1"/>
-          <p:nvPr/>
-        </p:nvSpPr>
-        <p:spPr>
-          <a:xfrm>
-            <a:off x="5617210" y="2013585"/>
-            <a:ext cx="4652645" cy="1923415"/>
-          </a:xfrm>
-          <a:prstGeom prst="rect">
-            <a:avLst/>
-          </a:prstGeom>
-          <a:noFill/>
-        </p:spPr>
-        <p:txBody>
-          <a:bodyPr wrap="square" rtlCol="0">
-            <a:spAutoFit/>
-          </a:bodyPr>
-          <a:p>
-            <a:r>
-              <a:rPr lang="en-US" altLang="zh-CN" sz="2400">
-                <a:latin typeface="Calibri" charset="0"/>
-              </a:rPr>
-              <a:t>T</a:t>
-            </a:r>
-            <a:r>
-              <a:rPr lang="zh-CN" altLang="en-US" sz="2400">
-                <a:latin typeface="Calibri" charset="0"/>
-              </a:rPr>
-              <a:t>his tool connected to the Apache server easily and allowed us to create a database in an organized way. We were able to create user logins with this tool.</a:t>
-            </a:r>
-            <a:endParaRPr lang="zh-CN" altLang="en-US" sz="2400">
-              <a:latin typeface="Calibri" charset="0"/>
-            </a:endParaRPr>
+          <a:lstStyle/>
+          <a:p>
+            <a:pPr algn="l"/>
+            <a:r>
+              <a:rPr lang="zh-CN" altLang="en-US" sz="2400"/>
+              <a:t>It allowed to do everything on local host from HTML to PHP pages, we were able to also connect it to phpMyAdmin which made it a really great tool to use.</a:t>
+            </a:r>
           </a:p>
         </p:txBody>
       </p:sp>
@@ -5956,6 +6323,13 @@
   <p:clrMapOvr>
     <a:masterClrMapping/>
   </p:clrMapOvr>
+  <p:timing>
+    <p:tnLst>
+      <p:par>
+        <p:cTn id="1" dur="indefinite" restart="never" nodeType="tmRoot"/>
+      </p:par>
+    </p:tnLst>
+  </p:timing>
 </p:sld>
 </file>
 
@@ -5965,7 +6339,7 @@
     <p:bg>
       <p:bgPr>
         <a:blipFill rotWithShape="1">
-          <a:blip r:embed="rId1"/>
+          <a:blip r:embed="rId2"/>
           <a:stretch>
             <a:fillRect/>
           </a:stretch>
@@ -5979,25 +6353,32 @@
         <p:cNvGrpSpPr/>
         <p:nvPr/>
       </p:nvGrpSpPr>
-      <p:grpSpPr/>
+      <p:grpSpPr>
+        <a:xfrm>
+          <a:off x="0" y="0"/>
+          <a:ext cx="0" cy="0"/>
+          <a:chOff x="0" y="0"/>
+          <a:chExt cx="0" cy="0"/>
+        </a:xfrm>
+      </p:grpSpPr>
       <p:pic>
         <p:nvPicPr>
-          <p:cNvPr id="11" name="图片 10" descr="1024px-MySQL_svg"/>
+          <p:cNvPr id="13" name="图片 12" descr="$Q_9Y$%L3WCMLQ[Y23YXHK7"/>
           <p:cNvPicPr>
             <a:picLocks noChangeAspect="1"/>
           </p:cNvPicPr>
           <p:nvPr/>
         </p:nvPicPr>
         <p:blipFill>
-          <a:blip r:embed="rId2"/>
+          <a:blip r:embed="rId3"/>
           <a:stretch>
             <a:fillRect/>
           </a:stretch>
         </p:blipFill>
         <p:spPr>
           <a:xfrm>
-            <a:off x="2226310" y="2558415"/>
-            <a:ext cx="1927225" cy="718185"/>
+            <a:off x="2205355" y="2120900"/>
+            <a:ext cx="2353310" cy="763905"/>
           </a:xfrm>
           <a:prstGeom prst="rect">
             <a:avLst/>
@@ -6006,14 +6387,14 @@
       </p:pic>
       <p:sp>
         <p:nvSpPr>
-          <p:cNvPr id="5" name="文本框 4"/>
+          <p:cNvPr id="4" name="文本框 3"/>
           <p:cNvSpPr txBox="1"/>
           <p:nvPr/>
         </p:nvSpPr>
         <p:spPr>
           <a:xfrm>
-            <a:off x="2132965" y="1309370"/>
-            <a:ext cx="2499995" cy="767715"/>
+            <a:off x="1708150" y="1193800"/>
+            <a:ext cx="3996055" cy="767715"/>
           </a:xfrm>
           <a:prstGeom prst="rect">
             <a:avLst/>
@@ -6024,12 +6405,12 @@
           <a:bodyPr wrap="square" rtlCol="0">
             <a:spAutoFit/>
           </a:bodyPr>
+          <a:lstStyle/>
           <a:p>
             <a:r>
               <a:rPr lang="en-US" altLang="zh-CN" sz="4400"/>
-              <a:t>MySQL</a:t>
-            </a:r>
-            <a:endParaRPr lang="en-US" altLang="zh-CN" sz="4400"/>
+              <a:t>phpMyAdmin</a:t>
+            </a:r>
           </a:p>
         </p:txBody>
       </p:sp>
@@ -6041,7 +6422,7 @@
         </p:nvSpPr>
         <p:spPr>
           <a:xfrm>
-            <a:off x="2672715" y="3818890"/>
+            <a:off x="2084705" y="3163570"/>
             <a:ext cx="463550" cy="395605"/>
           </a:xfrm>
           <a:prstGeom prst="star5">
@@ -6071,6 +6452,7 @@
         </p:style>
         <p:txBody>
           <a:bodyPr rtlCol="0" anchor="ctr"/>
+          <a:lstStyle/>
           <a:p>
             <a:pPr algn="ctr"/>
             <a:endParaRPr lang="zh-CN" altLang="en-US"/>
@@ -6079,13 +6461,13 @@
       </p:sp>
       <p:sp>
         <p:nvSpPr>
-          <p:cNvPr id="6" name="五角星 5"/>
+          <p:cNvPr id="11" name="五角星 10"/>
           <p:cNvSpPr/>
           <p:nvPr/>
         </p:nvSpPr>
         <p:spPr>
           <a:xfrm>
-            <a:off x="3253105" y="3819525"/>
+            <a:off x="4199890" y="3155315"/>
             <a:ext cx="463550" cy="395605"/>
           </a:xfrm>
           <a:prstGeom prst="star5">
@@ -6115,6 +6497,7 @@
         </p:style>
         <p:txBody>
           <a:bodyPr rtlCol="0" anchor="ctr"/>
+          <a:lstStyle/>
           <a:p>
             <a:pPr algn="ctr"/>
             <a:endParaRPr lang="zh-CN" altLang="en-US"/>
@@ -6123,82 +6506,13 @@
       </p:sp>
       <p:sp>
         <p:nvSpPr>
-          <p:cNvPr id="8" name="文本框 7"/>
-          <p:cNvSpPr txBox="1"/>
-          <p:nvPr/>
-        </p:nvSpPr>
-        <p:spPr>
-          <a:xfrm>
-            <a:off x="5163820" y="1473200"/>
-            <a:ext cx="3985260" cy="1191895"/>
-          </a:xfrm>
-          <a:prstGeom prst="rect">
-            <a:avLst/>
-          </a:prstGeom>
-          <a:noFill/>
-        </p:spPr>
-        <p:txBody>
-          <a:bodyPr wrap="square" rtlCol="0">
-            <a:spAutoFit/>
-          </a:bodyPr>
-          <a:p>
-            <a:r>
-              <a:rPr lang="en-US" altLang="zh-CN" sz="2400">
-                <a:latin typeface="Calibri" charset="0"/>
-              </a:rPr>
-              <a:t>MySQL </a:t>
-            </a:r>
-            <a:r>
-              <a:rPr lang="zh-CN" altLang="en-US" sz="2400">
-                <a:latin typeface="Calibri" charset="0"/>
-              </a:rPr>
-              <a:t>is an open-source relational database management system</a:t>
-            </a:r>
-            <a:endParaRPr lang="zh-CN" altLang="en-US" sz="2400">
-              <a:latin typeface="Calibri" charset="0"/>
-            </a:endParaRPr>
-          </a:p>
-        </p:txBody>
-      </p:sp>
-      <p:sp>
-        <p:nvSpPr>
-          <p:cNvPr id="2" name="文本框 1"/>
-          <p:cNvSpPr txBox="1"/>
-          <p:nvPr/>
-        </p:nvSpPr>
-        <p:spPr>
-          <a:xfrm>
-            <a:off x="5182235" y="3105150"/>
-            <a:ext cx="5263515" cy="1557655"/>
-          </a:xfrm>
-          <a:prstGeom prst="rect">
-            <a:avLst/>
-          </a:prstGeom>
-          <a:noFill/>
-        </p:spPr>
-        <p:txBody>
-          <a:bodyPr wrap="square" rtlCol="0">
-            <a:spAutoFit/>
-          </a:bodyPr>
-          <a:p>
-            <a:pPr algn="l"/>
-            <a:r>
-              <a:rPr lang="zh-CN" altLang="en-US" sz="2400"/>
-              <a:t>It was really easy to work with and we were able to store all of our information in a hassle free way.  It allowed us to organize our food groups into categories.</a:t>
-            </a:r>
-            <a:endParaRPr lang="zh-CN" altLang="en-US" sz="2400"/>
-          </a:p>
-        </p:txBody>
-      </p:sp>
-      <p:sp>
-        <p:nvSpPr>
-          <p:cNvPr id="3" name="五角星 2"/>
+          <p:cNvPr id="12" name="五角星 11"/>
           <p:cNvSpPr/>
           <p:nvPr/>
         </p:nvSpPr>
         <p:spPr>
           <a:xfrm>
-            <a:off x="2144395" y="3811270"/>
+            <a:off x="2619375" y="3156585"/>
             <a:ext cx="463550" cy="395605"/>
           </a:xfrm>
           <a:prstGeom prst="star5">
@@ -6228,6 +6542,7 @@
         </p:style>
         <p:txBody>
           <a:bodyPr rtlCol="0" anchor="ctr"/>
+          <a:lstStyle/>
           <a:p>
             <a:pPr algn="ctr"/>
             <a:endParaRPr lang="zh-CN" altLang="en-US"/>
@@ -6236,13 +6551,13 @@
       </p:sp>
       <p:sp>
         <p:nvSpPr>
-          <p:cNvPr id="4" name="五角星 3"/>
+          <p:cNvPr id="5" name="五角星 4"/>
           <p:cNvSpPr/>
           <p:nvPr/>
         </p:nvSpPr>
         <p:spPr>
           <a:xfrm>
-            <a:off x="3814445" y="3820795"/>
+            <a:off x="3150870" y="3157855"/>
             <a:ext cx="463550" cy="395605"/>
           </a:xfrm>
           <a:prstGeom prst="star5">
@@ -6272,88 +6587,22 @@
         </p:style>
         <p:txBody>
           <a:bodyPr rtlCol="0" anchor="ctr"/>
+          <a:lstStyle/>
           <a:p>
             <a:pPr algn="ctr"/>
             <a:endParaRPr lang="zh-CN" altLang="en-US"/>
           </a:p>
         </p:txBody>
       </p:sp>
-    </p:spTree>
-  </p:cSld>
-  <p:clrMapOvr>
-    <a:masterClrMapping/>
-  </p:clrMapOvr>
-</p:sld>
-</file>
-
-<file path=ppt/slides/slide8.xml><?xml version="1.0" encoding="utf-8"?>
-<p:sld xmlns:a="http://schemas.openxmlformats.org/drawingml/2006/main" xmlns:r="http://schemas.openxmlformats.org/officeDocument/2006/relationships" xmlns:p="http://schemas.openxmlformats.org/presentationml/2006/main">
-  <p:cSld>
-    <p:bg>
-      <p:bgPr>
-        <a:blipFill rotWithShape="1">
-          <a:blip r:embed="rId1"/>
-          <a:stretch>
-            <a:fillRect/>
-          </a:stretch>
-        </a:blipFill>
-        <a:effectLst/>
-      </p:bgPr>
-    </p:bg>
-    <p:spTree>
-      <p:nvGrpSpPr>
-        <p:cNvPr id="1" name=""/>
-        <p:cNvGrpSpPr/>
-        <p:nvPr/>
-      </p:nvGrpSpPr>
-      <p:grpSpPr/>
-      <p:sp>
-        <p:nvSpPr>
-          <p:cNvPr id="2" name="文本框 1"/>
-          <p:cNvSpPr txBox="1"/>
-          <p:nvPr/>
-        </p:nvSpPr>
-        <p:spPr>
-          <a:xfrm>
-            <a:off x="2219960" y="1048385"/>
-            <a:ext cx="1824355" cy="1438275"/>
-          </a:xfrm>
-          <a:prstGeom prst="rect">
-            <a:avLst/>
-          </a:prstGeom>
-          <a:noFill/>
-        </p:spPr>
-        <p:txBody>
-          <a:bodyPr wrap="square" rtlCol="0">
-            <a:spAutoFit/>
-          </a:bodyPr>
-          <a:p>
-            <a:r>
-              <a:rPr lang="en-US" sz="4400" dirty="0" err="1" smtClean="0">
-                <a:sym typeface="+mn-ea"/>
-              </a:rPr>
-              <a:t>HTML</a:t>
-            </a:r>
-            <a:endParaRPr lang="en-US" sz="4400" dirty="0" err="1" smtClean="0">
-              <a:sym typeface="+mn-ea"/>
-            </a:endParaRPr>
-          </a:p>
-          <a:p>
-            <a:endParaRPr lang="en-US" altLang="en-US" sz="4400" dirty="0" err="1" smtClean="0">
-              <a:sym typeface="+mn-ea"/>
-            </a:endParaRPr>
-          </a:p>
-        </p:txBody>
-      </p:sp>
-      <p:sp>
-        <p:nvSpPr>
-          <p:cNvPr id="11" name="五角星 10"/>
+      <p:sp>
+        <p:nvSpPr>
+          <p:cNvPr id="14" name="五角星 13"/>
           <p:cNvSpPr/>
           <p:nvPr/>
         </p:nvSpPr>
         <p:spPr>
           <a:xfrm>
-            <a:off x="3590925" y="3665855"/>
+            <a:off x="3683635" y="3150235"/>
             <a:ext cx="463550" cy="395605"/>
           </a:xfrm>
           <a:prstGeom prst="star5">
@@ -6383,6 +6632,7 @@
         </p:style>
         <p:txBody>
           <a:bodyPr rtlCol="0" anchor="ctr"/>
+          <a:lstStyle/>
           <a:p>
             <a:pPr algn="ctr"/>
             <a:endParaRPr lang="zh-CN" altLang="en-US"/>
@@ -6391,13 +6641,175 @@
       </p:sp>
       <p:sp>
         <p:nvSpPr>
-          <p:cNvPr id="13" name="五角星 12"/>
+          <p:cNvPr id="6" name="文本框 5"/>
+          <p:cNvSpPr txBox="1"/>
+          <p:nvPr/>
+        </p:nvSpPr>
+        <p:spPr>
+          <a:xfrm>
+            <a:off x="2083435" y="3742055"/>
+            <a:ext cx="4508500" cy="460375"/>
+          </a:xfrm>
+          <a:prstGeom prst="rect">
+            <a:avLst/>
+          </a:prstGeom>
+          <a:noFill/>
+        </p:spPr>
+        <p:txBody>
+          <a:bodyPr wrap="square" rtlCol="0">
+            <a:spAutoFit/>
+          </a:bodyPr>
+          <a:lstStyle/>
+          <a:p>
+            <a:r>
+              <a:rPr lang="en-US" altLang="zh-CN" sz="2400"/>
+              <a:t>Database connection</a:t>
+            </a:r>
+          </a:p>
+        </p:txBody>
+      </p:sp>
+      <p:sp>
+        <p:nvSpPr>
+          <p:cNvPr id="7" name="文本框 6"/>
+          <p:cNvSpPr txBox="1"/>
+          <p:nvPr/>
+        </p:nvSpPr>
+        <p:spPr>
+          <a:xfrm>
+            <a:off x="5617210" y="2013585"/>
+            <a:ext cx="4652645" cy="1923415"/>
+          </a:xfrm>
+          <a:prstGeom prst="rect">
+            <a:avLst/>
+          </a:prstGeom>
+          <a:noFill/>
+        </p:spPr>
+        <p:txBody>
+          <a:bodyPr wrap="square" rtlCol="0">
+            <a:spAutoFit/>
+          </a:bodyPr>
+          <a:lstStyle/>
+          <a:p>
+            <a:r>
+              <a:rPr lang="en-US" altLang="zh-CN" sz="2400">
+                <a:latin typeface="Calibri" charset="0"/>
+              </a:rPr>
+              <a:t>T</a:t>
+            </a:r>
+            <a:r>
+              <a:rPr lang="zh-CN" altLang="en-US" sz="2400">
+                <a:latin typeface="Calibri" charset="0"/>
+              </a:rPr>
+              <a:t>his tool connected to the Apache server easily and allowed us to create a database in an organized way. We were able to create user logins with this tool.</a:t>
+            </a:r>
+          </a:p>
+        </p:txBody>
+      </p:sp>
+    </p:spTree>
+  </p:cSld>
+  <p:clrMapOvr>
+    <a:masterClrMapping/>
+  </p:clrMapOvr>
+  <p:timing>
+    <p:tnLst>
+      <p:par>
+        <p:cTn id="1" dur="indefinite" restart="never" nodeType="tmRoot"/>
+      </p:par>
+    </p:tnLst>
+  </p:timing>
+</p:sld>
+</file>
+
+<file path=ppt/slides/slide8.xml><?xml version="1.0" encoding="utf-8"?>
+<p:sld xmlns:a="http://schemas.openxmlformats.org/drawingml/2006/main" xmlns:r="http://schemas.openxmlformats.org/officeDocument/2006/relationships" xmlns:p="http://schemas.openxmlformats.org/presentationml/2006/main">
+  <p:cSld>
+    <p:bg>
+      <p:bgPr>
+        <a:blipFill rotWithShape="1">
+          <a:blip r:embed="rId2"/>
+          <a:stretch>
+            <a:fillRect/>
+          </a:stretch>
+        </a:blipFill>
+        <a:effectLst/>
+      </p:bgPr>
+    </p:bg>
+    <p:spTree>
+      <p:nvGrpSpPr>
+        <p:cNvPr id="1" name=""/>
+        <p:cNvGrpSpPr/>
+        <p:nvPr/>
+      </p:nvGrpSpPr>
+      <p:grpSpPr>
+        <a:xfrm>
+          <a:off x="0" y="0"/>
+          <a:ext cx="0" cy="0"/>
+          <a:chOff x="0" y="0"/>
+          <a:chExt cx="0" cy="0"/>
+        </a:xfrm>
+      </p:grpSpPr>
+      <p:pic>
+        <p:nvPicPr>
+          <p:cNvPr id="11" name="图片 10" descr="1024px-MySQL_svg"/>
+          <p:cNvPicPr>
+            <a:picLocks noChangeAspect="1"/>
+          </p:cNvPicPr>
+          <p:nvPr/>
+        </p:nvPicPr>
+        <p:blipFill>
+          <a:blip r:embed="rId3"/>
+          <a:stretch>
+            <a:fillRect/>
+          </a:stretch>
+        </p:blipFill>
+        <p:spPr>
+          <a:xfrm>
+            <a:off x="2226310" y="2558415"/>
+            <a:ext cx="1927225" cy="718185"/>
+          </a:xfrm>
+          <a:prstGeom prst="rect">
+            <a:avLst/>
+          </a:prstGeom>
+        </p:spPr>
+      </p:pic>
+      <p:sp>
+        <p:nvSpPr>
+          <p:cNvPr id="5" name="文本框 4"/>
+          <p:cNvSpPr txBox="1"/>
+          <p:nvPr/>
+        </p:nvSpPr>
+        <p:spPr>
+          <a:xfrm>
+            <a:off x="2132965" y="1309370"/>
+            <a:ext cx="2499995" cy="767715"/>
+          </a:xfrm>
+          <a:prstGeom prst="rect">
+            <a:avLst/>
+          </a:prstGeom>
+          <a:noFill/>
+        </p:spPr>
+        <p:txBody>
+          <a:bodyPr wrap="square" rtlCol="0">
+            <a:spAutoFit/>
+          </a:bodyPr>
+          <a:lstStyle/>
+          <a:p>
+            <a:r>
+              <a:rPr lang="en-US" altLang="zh-CN" sz="4400"/>
+              <a:t>MySQL</a:t>
+            </a:r>
+          </a:p>
+        </p:txBody>
+      </p:sp>
+      <p:sp>
+        <p:nvSpPr>
+          <p:cNvPr id="10" name="五角星 9"/>
           <p:cNvSpPr/>
           <p:nvPr/>
         </p:nvSpPr>
         <p:spPr>
           <a:xfrm>
-            <a:off x="2609850" y="3659505"/>
+            <a:off x="2672715" y="3818890"/>
             <a:ext cx="463550" cy="395605"/>
           </a:xfrm>
           <a:prstGeom prst="star5">
@@ -6427,6 +6839,7 @@
         </p:style>
         <p:txBody>
           <a:bodyPr rtlCol="0" anchor="ctr"/>
+          <a:lstStyle/>
           <a:p>
             <a:pPr algn="ctr"/>
             <a:endParaRPr lang="zh-CN" altLang="en-US"/>
@@ -6435,13 +6848,13 @@
       </p:sp>
       <p:sp>
         <p:nvSpPr>
-          <p:cNvPr id="14" name="五角星 13"/>
+          <p:cNvPr id="6" name="五角星 5"/>
           <p:cNvSpPr/>
           <p:nvPr/>
         </p:nvSpPr>
         <p:spPr>
           <a:xfrm>
-            <a:off x="3074035" y="3661410"/>
+            <a:off x="3253105" y="3819525"/>
             <a:ext cx="463550" cy="395605"/>
           </a:xfrm>
           <a:prstGeom prst="star5">
@@ -6471,9 +6884,77 @@
         </p:style>
         <p:txBody>
           <a:bodyPr rtlCol="0" anchor="ctr"/>
+          <a:lstStyle/>
           <a:p>
             <a:pPr algn="ctr"/>
             <a:endParaRPr lang="zh-CN" altLang="en-US"/>
+          </a:p>
+        </p:txBody>
+      </p:sp>
+      <p:sp>
+        <p:nvSpPr>
+          <p:cNvPr id="8" name="文本框 7"/>
+          <p:cNvSpPr txBox="1"/>
+          <p:nvPr/>
+        </p:nvSpPr>
+        <p:spPr>
+          <a:xfrm>
+            <a:off x="5163820" y="1473200"/>
+            <a:ext cx="3985260" cy="1191895"/>
+          </a:xfrm>
+          <a:prstGeom prst="rect">
+            <a:avLst/>
+          </a:prstGeom>
+          <a:noFill/>
+        </p:spPr>
+        <p:txBody>
+          <a:bodyPr wrap="square" rtlCol="0">
+            <a:spAutoFit/>
+          </a:bodyPr>
+          <a:lstStyle/>
+          <a:p>
+            <a:r>
+              <a:rPr lang="en-US" altLang="zh-CN" sz="2400">
+                <a:latin typeface="Calibri" charset="0"/>
+              </a:rPr>
+              <a:t>MySQL </a:t>
+            </a:r>
+            <a:r>
+              <a:rPr lang="zh-CN" altLang="en-US" sz="2400">
+                <a:latin typeface="Calibri" charset="0"/>
+              </a:rPr>
+              <a:t>is an open-source relational database management system</a:t>
+            </a:r>
+          </a:p>
+        </p:txBody>
+      </p:sp>
+      <p:sp>
+        <p:nvSpPr>
+          <p:cNvPr id="2" name="文本框 1"/>
+          <p:cNvSpPr txBox="1"/>
+          <p:nvPr/>
+        </p:nvSpPr>
+        <p:spPr>
+          <a:xfrm>
+            <a:off x="5182235" y="3105150"/>
+            <a:ext cx="5263515" cy="1557655"/>
+          </a:xfrm>
+          <a:prstGeom prst="rect">
+            <a:avLst/>
+          </a:prstGeom>
+          <a:noFill/>
+        </p:spPr>
+        <p:txBody>
+          <a:bodyPr wrap="square" rtlCol="0">
+            <a:spAutoFit/>
+          </a:bodyPr>
+          <a:lstStyle/>
+          <a:p>
+            <a:pPr algn="l"/>
+            <a:r>
+              <a:rPr lang="zh-CN" altLang="en-US" sz="2400"/>
+              <a:t>It was really easy to work with and we were able to store all of our information in a hassle free way.  It allowed us to organize our food groups into categories.</a:t>
+            </a:r>
           </a:p>
         </p:txBody>
       </p:sp>
@@ -6485,7 +6966,7 @@
         </p:nvSpPr>
         <p:spPr>
           <a:xfrm>
-            <a:off x="2076450" y="3660140"/>
+            <a:off x="2144395" y="3811270"/>
             <a:ext cx="463550" cy="395605"/>
           </a:xfrm>
           <a:prstGeom prst="star5">
@@ -6515,6 +6996,7 @@
         </p:style>
         <p:txBody>
           <a:bodyPr rtlCol="0" anchor="ctr"/>
+          <a:lstStyle/>
           <a:p>
             <a:pPr algn="ctr"/>
             <a:endParaRPr lang="zh-CN" altLang="en-US"/>
@@ -6523,177 +7005,13 @@
       </p:sp>
       <p:sp>
         <p:nvSpPr>
-          <p:cNvPr id="5" name="文本框 4"/>
-          <p:cNvSpPr txBox="1"/>
-          <p:nvPr/>
-        </p:nvSpPr>
-        <p:spPr>
-          <a:xfrm>
-            <a:off x="4757420" y="1231900"/>
-            <a:ext cx="5444490" cy="1191895"/>
-          </a:xfrm>
-          <a:prstGeom prst="rect">
-            <a:avLst/>
-          </a:prstGeom>
-          <a:noFill/>
-        </p:spPr>
-        <p:txBody>
-          <a:bodyPr wrap="square" rtlCol="0">
-            <a:spAutoFit/>
-          </a:bodyPr>
-          <a:p>
-            <a:r>
-              <a:rPr lang="zh-CN" altLang="en-US" sz="2400"/>
-              <a:t>HTML is a markup language used for structuring and presenting content on the World Wide Web</a:t>
-            </a:r>
-            <a:endParaRPr lang="zh-CN" altLang="en-US" sz="2400"/>
-          </a:p>
-        </p:txBody>
-      </p:sp>
-      <p:pic>
-        <p:nvPicPr>
-          <p:cNvPr id="6" name="图片 5" descr="%IY{[D8PHG7NEGTD_Y1PG}9"/>
-          <p:cNvPicPr>
-            <a:picLocks noChangeAspect="1"/>
-          </p:cNvPicPr>
-          <p:nvPr/>
-        </p:nvPicPr>
-        <p:blipFill>
-          <a:blip r:embed="rId2"/>
-          <a:stretch>
-            <a:fillRect/>
-          </a:stretch>
-        </p:blipFill>
-        <p:spPr>
-          <a:xfrm>
-            <a:off x="2334260" y="2179320"/>
-            <a:ext cx="1395095" cy="1161415"/>
-          </a:xfrm>
-          <a:prstGeom prst="rect">
-            <a:avLst/>
-          </a:prstGeom>
-        </p:spPr>
-      </p:pic>
-      <p:sp>
-        <p:nvSpPr>
-          <p:cNvPr id="8" name="文本框 7"/>
-          <p:cNvSpPr txBox="1"/>
-          <p:nvPr/>
-        </p:nvSpPr>
-        <p:spPr>
-          <a:xfrm>
-            <a:off x="4711065" y="2980055"/>
-            <a:ext cx="5947410" cy="1923415"/>
-          </a:xfrm>
-          <a:prstGeom prst="rect">
-            <a:avLst/>
-          </a:prstGeom>
-          <a:noFill/>
-        </p:spPr>
-        <p:txBody>
-          <a:bodyPr wrap="square" rtlCol="0">
-            <a:spAutoFit/>
-          </a:bodyPr>
-          <a:p>
-            <a:r>
-              <a:rPr lang="zh-CN" altLang="en-US" sz="2400"/>
-              <a:t>Although HTML was new to all of us in the group, learning it was pretty simple and it allowed us to create a basic website for our calorie tracker. The syntax was fairly simple to use.</a:t>
-            </a:r>
-            <a:endParaRPr lang="zh-CN" altLang="en-US" sz="2400"/>
-          </a:p>
-        </p:txBody>
-      </p:sp>
-    </p:spTree>
-  </p:cSld>
-  <p:clrMapOvr>
-    <a:masterClrMapping/>
-  </p:clrMapOvr>
-</p:sld>
-</file>
-
-<file path=ppt/slides/slide9.xml><?xml version="1.0" encoding="utf-8"?>
-<p:sld xmlns:a="http://schemas.openxmlformats.org/drawingml/2006/main" xmlns:r="http://schemas.openxmlformats.org/officeDocument/2006/relationships" xmlns:p="http://schemas.openxmlformats.org/presentationml/2006/main">
-  <p:cSld>
-    <p:bg>
-      <p:bgPr>
-        <a:blipFill rotWithShape="1">
-          <a:blip r:embed="rId1"/>
-          <a:stretch>
-            <a:fillRect/>
-          </a:stretch>
-        </a:blipFill>
-        <a:effectLst/>
-      </p:bgPr>
-    </p:bg>
-    <p:spTree>
-      <p:nvGrpSpPr>
-        <p:cNvPr id="1" name=""/>
-        <p:cNvGrpSpPr/>
-        <p:nvPr/>
-      </p:nvGrpSpPr>
-      <p:grpSpPr/>
-      <p:sp>
-        <p:nvSpPr>
-          <p:cNvPr id="2" name="文本框 1"/>
-          <p:cNvSpPr txBox="1"/>
-          <p:nvPr/>
-        </p:nvSpPr>
-        <p:spPr>
-          <a:xfrm>
-            <a:off x="1592580" y="1260475"/>
-            <a:ext cx="3890645" cy="645160"/>
-          </a:xfrm>
-          <a:prstGeom prst="rect">
-            <a:avLst/>
-          </a:prstGeom>
-          <a:noFill/>
-        </p:spPr>
-        <p:txBody>
-          <a:bodyPr wrap="square" rtlCol="0">
-            <a:spAutoFit/>
-          </a:bodyPr>
-          <a:p>
-            <a:r>
-              <a:rPr lang="en-US" altLang="zh-CN" sz="3600"/>
-              <a:t>Python Web Server</a:t>
-            </a:r>
-            <a:endParaRPr lang="en-US" altLang="zh-CN" sz="3600"/>
-          </a:p>
-        </p:txBody>
-      </p:sp>
-      <p:pic>
-        <p:nvPicPr>
-          <p:cNvPr id="8" name="图片 7" descr="python-logo-master-v3-TM-flattened"/>
-          <p:cNvPicPr>
-            <a:picLocks noChangeAspect="1"/>
-          </p:cNvPicPr>
-          <p:nvPr/>
-        </p:nvPicPr>
-        <p:blipFill>
-          <a:blip r:embed="rId2"/>
-          <a:stretch>
-            <a:fillRect/>
-          </a:stretch>
-        </p:blipFill>
-        <p:spPr>
-          <a:xfrm>
-            <a:off x="2291715" y="2275840"/>
-            <a:ext cx="2244725" cy="643255"/>
-          </a:xfrm>
-          <a:prstGeom prst="rect">
-            <a:avLst/>
-          </a:prstGeom>
-        </p:spPr>
-      </p:pic>
-      <p:sp>
-        <p:nvSpPr>
-          <p:cNvPr id="11" name="五角星 10"/>
+          <p:cNvPr id="4" name="五角星 3"/>
           <p:cNvSpPr/>
           <p:nvPr/>
         </p:nvSpPr>
         <p:spPr>
           <a:xfrm>
-            <a:off x="3947160" y="3356610"/>
+            <a:off x="3814445" y="3820795"/>
             <a:ext cx="463550" cy="395605"/>
           </a:xfrm>
           <a:prstGeom prst="star5">
@@ -6723,21 +7041,101 @@
         </p:style>
         <p:txBody>
           <a:bodyPr rtlCol="0" anchor="ctr"/>
+          <a:lstStyle/>
           <a:p>
             <a:pPr algn="ctr"/>
             <a:endParaRPr lang="zh-CN" altLang="en-US"/>
           </a:p>
         </p:txBody>
       </p:sp>
-      <p:sp>
-        <p:nvSpPr>
-          <p:cNvPr id="13" name="五角星 12"/>
+    </p:spTree>
+  </p:cSld>
+  <p:clrMapOvr>
+    <a:masterClrMapping/>
+  </p:clrMapOvr>
+  <p:timing>
+    <p:tnLst>
+      <p:par>
+        <p:cTn id="1" dur="indefinite" restart="never" nodeType="tmRoot"/>
+      </p:par>
+    </p:tnLst>
+  </p:timing>
+</p:sld>
+</file>
+
+<file path=ppt/slides/slide9.xml><?xml version="1.0" encoding="utf-8"?>
+<p:sld xmlns:a="http://schemas.openxmlformats.org/drawingml/2006/main" xmlns:r="http://schemas.openxmlformats.org/officeDocument/2006/relationships" xmlns:p="http://schemas.openxmlformats.org/presentationml/2006/main">
+  <p:cSld>
+    <p:bg>
+      <p:bgPr>
+        <a:blipFill rotWithShape="1">
+          <a:blip r:embed="rId2"/>
+          <a:stretch>
+            <a:fillRect/>
+          </a:stretch>
+        </a:blipFill>
+        <a:effectLst/>
+      </p:bgPr>
+    </p:bg>
+    <p:spTree>
+      <p:nvGrpSpPr>
+        <p:cNvPr id="1" name=""/>
+        <p:cNvGrpSpPr/>
+        <p:nvPr/>
+      </p:nvGrpSpPr>
+      <p:grpSpPr>
+        <a:xfrm>
+          <a:off x="0" y="0"/>
+          <a:ext cx="0" cy="0"/>
+          <a:chOff x="0" y="0"/>
+          <a:chExt cx="0" cy="0"/>
+        </a:xfrm>
+      </p:grpSpPr>
+      <p:sp>
+        <p:nvSpPr>
+          <p:cNvPr id="2" name="文本框 1"/>
+          <p:cNvSpPr txBox="1"/>
+          <p:nvPr/>
+        </p:nvSpPr>
+        <p:spPr>
+          <a:xfrm>
+            <a:off x="2219960" y="1048385"/>
+            <a:ext cx="1824355" cy="1438275"/>
+          </a:xfrm>
+          <a:prstGeom prst="rect">
+            <a:avLst/>
+          </a:prstGeom>
+          <a:noFill/>
+        </p:spPr>
+        <p:txBody>
+          <a:bodyPr wrap="square" rtlCol="0">
+            <a:spAutoFit/>
+          </a:bodyPr>
+          <a:lstStyle/>
+          <a:p>
+            <a:r>
+              <a:rPr lang="en-US" sz="4400" dirty="0" err="1" smtClean="0">
+                <a:sym typeface="+mn-ea"/>
+              </a:rPr>
+              <a:t>HTML</a:t>
+            </a:r>
+          </a:p>
+          <a:p>
+            <a:endParaRPr lang="en-US" altLang="en-US" sz="4400" dirty="0" err="1" smtClean="0">
+              <a:sym typeface="+mn-ea"/>
+            </a:endParaRPr>
+          </a:p>
+        </p:txBody>
+      </p:sp>
+      <p:sp>
+        <p:nvSpPr>
+          <p:cNvPr id="11" name="五角星 10"/>
           <p:cNvSpPr/>
           <p:nvPr/>
         </p:nvSpPr>
         <p:spPr>
           <a:xfrm>
-            <a:off x="2444750" y="3340735"/>
+            <a:off x="3590925" y="3665855"/>
             <a:ext cx="463550" cy="395605"/>
           </a:xfrm>
           <a:prstGeom prst="star5">
@@ -6767,6 +7165,7 @@
         </p:style>
         <p:txBody>
           <a:bodyPr rtlCol="0" anchor="ctr"/>
+          <a:lstStyle/>
           <a:p>
             <a:pPr algn="ctr"/>
             <a:endParaRPr lang="zh-CN" altLang="en-US"/>
@@ -6775,13 +7174,13 @@
       </p:sp>
       <p:sp>
         <p:nvSpPr>
-          <p:cNvPr id="14" name="五角星 13"/>
+          <p:cNvPr id="13" name="五角星 12"/>
           <p:cNvSpPr/>
           <p:nvPr/>
         </p:nvSpPr>
         <p:spPr>
           <a:xfrm>
-            <a:off x="3199130" y="3352165"/>
+            <a:off x="2609850" y="3659505"/>
             <a:ext cx="463550" cy="395605"/>
           </a:xfrm>
           <a:prstGeom prst="star5">
@@ -6811,6 +7210,97 @@
         </p:style>
         <p:txBody>
           <a:bodyPr rtlCol="0" anchor="ctr"/>
+          <a:lstStyle/>
+          <a:p>
+            <a:pPr algn="ctr"/>
+            <a:endParaRPr lang="zh-CN" altLang="en-US"/>
+          </a:p>
+        </p:txBody>
+      </p:sp>
+      <p:sp>
+        <p:nvSpPr>
+          <p:cNvPr id="14" name="五角星 13"/>
+          <p:cNvSpPr/>
+          <p:nvPr/>
+        </p:nvSpPr>
+        <p:spPr>
+          <a:xfrm>
+            <a:off x="3074035" y="3661410"/>
+            <a:ext cx="463550" cy="395605"/>
+          </a:xfrm>
+          <a:prstGeom prst="star5">
+            <a:avLst>
+              <a:gd name="adj" fmla="val 19075"/>
+              <a:gd name="hf" fmla="val 105146"/>
+              <a:gd name="vf" fmla="val 110557"/>
+            </a:avLst>
+          </a:prstGeom>
+          <a:solidFill>
+            <a:srgbClr val="FFCC66"/>
+          </a:solidFill>
+        </p:spPr>
+        <p:style>
+          <a:lnRef idx="3">
+            <a:schemeClr val="lt1"/>
+          </a:lnRef>
+          <a:fillRef idx="1">
+            <a:schemeClr val="accent4"/>
+          </a:fillRef>
+          <a:effectRef idx="1">
+            <a:schemeClr val="accent4"/>
+          </a:effectRef>
+          <a:fontRef idx="minor">
+            <a:schemeClr val="lt1"/>
+          </a:fontRef>
+        </p:style>
+        <p:txBody>
+          <a:bodyPr rtlCol="0" anchor="ctr"/>
+          <a:lstStyle/>
+          <a:p>
+            <a:pPr algn="ctr"/>
+            <a:endParaRPr lang="zh-CN" altLang="en-US"/>
+          </a:p>
+        </p:txBody>
+      </p:sp>
+      <p:sp>
+        <p:nvSpPr>
+          <p:cNvPr id="3" name="五角星 2"/>
+          <p:cNvSpPr/>
+          <p:nvPr/>
+        </p:nvSpPr>
+        <p:spPr>
+          <a:xfrm>
+            <a:off x="2076450" y="3660140"/>
+            <a:ext cx="463550" cy="395605"/>
+          </a:xfrm>
+          <a:prstGeom prst="star5">
+            <a:avLst>
+              <a:gd name="adj" fmla="val 19075"/>
+              <a:gd name="hf" fmla="val 105146"/>
+              <a:gd name="vf" fmla="val 110557"/>
+            </a:avLst>
+          </a:prstGeom>
+          <a:solidFill>
+            <a:srgbClr val="FFCC66"/>
+          </a:solidFill>
+        </p:spPr>
+        <p:style>
+          <a:lnRef idx="3">
+            <a:schemeClr val="lt1"/>
+          </a:lnRef>
+          <a:fillRef idx="1">
+            <a:schemeClr val="accent4"/>
+          </a:fillRef>
+          <a:effectRef idx="1">
+            <a:schemeClr val="accent4"/>
+          </a:effectRef>
+          <a:fontRef idx="minor">
+            <a:schemeClr val="lt1"/>
+          </a:fontRef>
+        </p:style>
+        <p:txBody>
+          <a:bodyPr rtlCol="0" anchor="ctr"/>
+          <a:lstStyle/>
           <a:p>
             <a:pPr algn="ctr"/>
             <a:endParaRPr lang="zh-CN" altLang="en-US"/>
@@ -6825,8 +7315,8 @@
         </p:nvSpPr>
         <p:spPr>
           <a:xfrm>
-            <a:off x="5367020" y="2341880"/>
-            <a:ext cx="4727575" cy="1557655"/>
+            <a:off x="4757420" y="1231900"/>
+            <a:ext cx="5444490" cy="1191895"/>
           </a:xfrm>
           <a:prstGeom prst="rect">
             <a:avLst/>
@@ -6837,20 +7327,65 @@
           <a:bodyPr wrap="square" rtlCol="0">
             <a:spAutoFit/>
           </a:bodyPr>
+          <a:lstStyle/>
           <a:p>
             <a:r>
               <a:rPr lang="zh-CN" altLang="en-US" sz="2400"/>
-              <a:t>We were able to run our website on a local host server, but it didn</a:t>
-            </a:r>
-            <a:r>
-              <a:rPr lang="en-US" altLang="zh-CN" sz="2400"/>
-              <a:t>'</a:t>
-            </a:r>
+              <a:t>HTML is a markup language used for structuring and presenting content on the World Wide Web</a:t>
+            </a:r>
+          </a:p>
+        </p:txBody>
+      </p:sp>
+      <p:pic>
+        <p:nvPicPr>
+          <p:cNvPr id="6" name="图片 5" descr="%IY{[D8PHG7NEGTD_Y1PG}9"/>
+          <p:cNvPicPr>
+            <a:picLocks noChangeAspect="1"/>
+          </p:cNvPicPr>
+          <p:nvPr/>
+        </p:nvPicPr>
+        <p:blipFill>
+          <a:blip r:embed="rId3"/>
+          <a:stretch>
+            <a:fillRect/>
+          </a:stretch>
+        </p:blipFill>
+        <p:spPr>
+          <a:xfrm>
+            <a:off x="2334260" y="2179320"/>
+            <a:ext cx="1395095" cy="1161415"/>
+          </a:xfrm>
+          <a:prstGeom prst="rect">
+            <a:avLst/>
+          </a:prstGeom>
+        </p:spPr>
+      </p:pic>
+      <p:sp>
+        <p:nvSpPr>
+          <p:cNvPr id="8" name="文本框 7"/>
+          <p:cNvSpPr txBox="1"/>
+          <p:nvPr/>
+        </p:nvSpPr>
+        <p:spPr>
+          <a:xfrm>
+            <a:off x="4711065" y="2980055"/>
+            <a:ext cx="5947410" cy="1923415"/>
+          </a:xfrm>
+          <a:prstGeom prst="rect">
+            <a:avLst/>
+          </a:prstGeom>
+          <a:noFill/>
+        </p:spPr>
+        <p:txBody>
+          <a:bodyPr wrap="square" rtlCol="0">
+            <a:spAutoFit/>
+          </a:bodyPr>
+          <a:lstStyle/>
+          <a:p>
             <a:r>
               <a:rPr lang="zh-CN" altLang="en-US" sz="2400"/>
-              <a:t>t support PHP websites which is a big downside.</a:t>
-            </a:r>
-            <a:endParaRPr lang="zh-CN" altLang="en-US" sz="2400"/>
+              <a:t>Although HTML was new to all of us in the group, learning it was pretty simple and it allowed us to create a basic website for our calorie tracker. The syntax was fairly simple to use.</a:t>
+            </a:r>
           </a:p>
         </p:txBody>
       </p:sp>
@@ -6859,6 +7394,13 @@
   <p:clrMapOvr>
     <a:masterClrMapping/>
   </p:clrMapOvr>
+  <p:timing>
+    <p:tnLst>
+      <p:par>
+        <p:cTn id="1" dur="indefinite" restart="never" nodeType="tmRoot"/>
+      </p:par>
+    </p:tnLst>
+  </p:timing>
 </p:sld>
 </file>
 
